--- a/Apresentação.pptx
+++ b/Apresentação.pptx
@@ -267,7 +267,7 @@
           <a:p>
             <a:fld id="{A26386AB-FF7E-4502-92BA-4E850511DE0E}" type="datetimeFigureOut">
               <a:rPr lang="pt-BR" smtClean="0"/>
-              <a:t>16/12/2021</a:t>
+              <a:t>17/12/2021</a:t>
             </a:fld>
             <a:endParaRPr lang="pt-BR"/>
           </a:p>
@@ -17497,90 +17497,142 @@
           <a:lstStyle/>
           <a:p>
             <a:r>
+              <a:rPr lang="pt-BR" dirty="0">
+                <a:highlight>
+                  <a:srgbClr val="00FF00"/>
+                </a:highlight>
+              </a:rPr>
+              <a:t>1 - Buscar todos os campings ordenando pelo nome em ordem crescente</a:t>
+            </a:r>
+          </a:p>
+          <a:p>
+            <a:r>
+              <a:rPr lang="pt-BR" dirty="0">
+                <a:highlight>
+                  <a:srgbClr val="00FF00"/>
+                </a:highlight>
+              </a:rPr>
+              <a:t>2 - Buscar camping pelo </a:t>
+            </a:r>
+            <a:r>
+              <a:rPr lang="pt-BR" dirty="0" err="1">
+                <a:highlight>
+                  <a:srgbClr val="00FF00"/>
+                </a:highlight>
+              </a:rPr>
+              <a:t>email</a:t>
+            </a:r>
+            <a:r>
+              <a:rPr lang="pt-BR" dirty="0">
+                <a:highlight>
+                  <a:srgbClr val="00FF00"/>
+                </a:highlight>
+              </a:rPr>
+              <a:t>;</a:t>
+            </a:r>
+          </a:p>
+          <a:p>
+            <a:r>
+              <a:rPr lang="pt-BR" dirty="0">
+                <a:highlight>
+                  <a:srgbClr val="00FF00"/>
+                </a:highlight>
+              </a:rPr>
+              <a:t>3 - Buscar camping pelo nome do usuário que é o proprietário;</a:t>
+            </a:r>
+          </a:p>
+          <a:p>
+            <a:r>
+              <a:rPr lang="pt-BR" dirty="0">
+                <a:highlight>
+                  <a:srgbClr val="00FF00"/>
+                </a:highlight>
+              </a:rPr>
+              <a:t>4 - Buscar o maior valor de diária</a:t>
+            </a:r>
+          </a:p>
+          <a:p>
+            <a:r>
+              <a:rPr lang="pt-BR" dirty="0">
+                <a:highlight>
+                  <a:srgbClr val="00FF00"/>
+                </a:highlight>
+              </a:rPr>
+              <a:t>5 - Buscar o menor valor de diária</a:t>
+            </a:r>
+          </a:p>
+          <a:p>
+            <a:r>
+              <a:rPr lang="pt-BR" dirty="0">
+                <a:highlight>
+                  <a:srgbClr val="00FF00"/>
+                </a:highlight>
+              </a:rPr>
+              <a:t>6 - Buscar campings onde a forma de pagamento aceita seja apenas cartão e o preço da diária seja maior que o valor determinado na busca (em reais)</a:t>
+            </a:r>
+          </a:p>
+          <a:p>
+            <a:r>
+              <a:rPr lang="pt-BR" dirty="0">
+                <a:highlight>
+                  <a:srgbClr val="00FF00"/>
+                </a:highlight>
+              </a:rPr>
+              <a:t>7 - Buscar campings onde o preço das diárias seja menor que o preço informado pelo usuário</a:t>
+            </a:r>
+          </a:p>
+          <a:p>
+            <a:r>
+              <a:rPr lang="pt-BR" dirty="0">
+                <a:highlight>
+                  <a:srgbClr val="00FF00"/>
+                </a:highlight>
+              </a:rPr>
+              <a:t>8 - Buscar campings que tenham como facilidades: tomadas, </a:t>
+            </a:r>
+            <a:r>
+              <a:rPr lang="pt-BR" dirty="0" err="1">
+                <a:highlight>
+                  <a:srgbClr val="00FF00"/>
+                </a:highlight>
+              </a:rPr>
+              <a:t>wifi</a:t>
+            </a:r>
+            <a:r>
+              <a:rPr lang="pt-BR" dirty="0">
+                <a:highlight>
+                  <a:srgbClr val="00FF00"/>
+                </a:highlight>
+              </a:rPr>
+              <a:t> mas que não contenham área para fogueira</a:t>
+            </a:r>
+          </a:p>
+          <a:p>
+            <a:r>
+              <a:rPr lang="pt-BR" dirty="0">
+                <a:highlight>
+                  <a:srgbClr val="00FF00"/>
+                </a:highlight>
+              </a:rPr>
+              <a:t>9 - Buscar campings que aceitem dinheiro e cartão como formas de pagamento</a:t>
+            </a:r>
+          </a:p>
+          <a:p>
+            <a:r>
               <a:rPr lang="pt-BR" dirty="0"/>
-              <a:t>Buscar todos os campings ordenando pelo nome em ordem crescente</a:t>
+              <a:t>10 - Buscar todas as regras vinculadas a um camping</a:t>
             </a:r>
           </a:p>
           <a:p>
             <a:r>
               <a:rPr lang="pt-BR" dirty="0"/>
-              <a:t>Buscar camping pelo </a:t>
-            </a:r>
-            <a:r>
-              <a:rPr lang="pt-BR" dirty="0" err="1"/>
-              <a:t>email</a:t>
-            </a:r>
+              <a:t>11 - Buscar todas as regras a partir de um conjunto de id de regras</a:t>
+            </a:r>
+          </a:p>
+          <a:p>
             <a:r>
               <a:rPr lang="pt-BR" dirty="0"/>
-              <a:t> do usuário que é o proprietário;</a:t>
-            </a:r>
-          </a:p>
-          <a:p>
-            <a:r>
-              <a:rPr lang="pt-BR" dirty="0"/>
-              <a:t>Buscar camping pelo nome do usuário que é o proprietário;</a:t>
-            </a:r>
-          </a:p>
-          <a:p>
-            <a:r>
-              <a:rPr lang="pt-BR" dirty="0"/>
-              <a:t>Buscar o camping com o maior valor de diária</a:t>
-            </a:r>
-          </a:p>
-          <a:p>
-            <a:r>
-              <a:rPr lang="pt-BR" dirty="0"/>
-              <a:t>Buscar o camping com o menor valor de diária</a:t>
-            </a:r>
-          </a:p>
-          <a:p>
-            <a:r>
-              <a:rPr lang="pt-BR" dirty="0"/>
-              <a:t>Buscar campings onde a forma de pagamento aceita seja apenas cartão e o preço da diária seja maior que o valor determinado na busca (em reais)</a:t>
-            </a:r>
-          </a:p>
-          <a:p>
-            <a:r>
-              <a:rPr lang="pt-BR" dirty="0"/>
-              <a:t>Buscar campings onde o preço das diárias seja menor que o preço informado pelo usuário</a:t>
-            </a:r>
-          </a:p>
-          <a:p>
-            <a:r>
-              <a:rPr lang="pt-BR" dirty="0"/>
-              <a:t>Buscar campings que tenham como facilidades: tomadas, </a:t>
-            </a:r>
-            <a:r>
-              <a:rPr lang="pt-BR" dirty="0" err="1"/>
-              <a:t>wifi</a:t>
-            </a:r>
-            <a:r>
-              <a:rPr lang="pt-BR" dirty="0"/>
-              <a:t> mas que não contenham área para fogueira</a:t>
-            </a:r>
-          </a:p>
-          <a:p>
-            <a:r>
-              <a:rPr lang="pt-BR" dirty="0"/>
-              <a:t>Buscar campings que aceitem dinheiro e cartão como formas de pagamento</a:t>
-            </a:r>
-          </a:p>
-          <a:p>
-            <a:r>
-              <a:rPr lang="pt-BR" dirty="0"/>
-              <a:t>Buscar todas as regras vinculadas a um camping</a:t>
-            </a:r>
-          </a:p>
-          <a:p>
-            <a:r>
-              <a:rPr lang="pt-BR" dirty="0"/>
-              <a:t>Buscar todas as regras a partir de um conjunto de id de regras</a:t>
-            </a:r>
-          </a:p>
-          <a:p>
-            <a:r>
-              <a:rPr lang="pt-BR" dirty="0"/>
-              <a:t>Buscar todos os campings novos (que foram inseridos no ano de 2021)</a:t>
+              <a:t>12 - Buscar todos os campings novos (que foram inseridos no ano de 2021)</a:t>
             </a:r>
           </a:p>
           <a:p>
@@ -30875,7 +30927,7 @@
         </p:spPr>
         <p:txBody>
           <a:bodyPr>
-            <a:normAutofit fontScale="85000" lnSpcReduction="20000"/>
+            <a:normAutofit fontScale="62500" lnSpcReduction="20000"/>
           </a:bodyPr>
           <a:lstStyle>
             <a:lvl1pPr marL="228029" indent="-228029" algn="l" defTabSz="912114" rtl="0" eaLnBrk="1" latinLnBrk="0" hangingPunct="1">
@@ -31141,6 +31193,15 @@
             <a:r>
               <a:rPr lang="pt-BR" dirty="0">
                 <a:hlinkClick r:id="rId6"/>
+              </a:rPr>
+              <a:t>https://www.baeldung.com/intro-to-querydsl</a:t>
+            </a:r>
+            <a:endParaRPr lang="pt-BR" dirty="0"/>
+          </a:p>
+          <a:p>
+            <a:r>
+              <a:rPr lang="pt-BR" dirty="0">
+                <a:hlinkClick r:id="rId7"/>
               </a:rPr>
               <a:t>https://blog.tecsinapse.com.br/querydsl-na-pr%C3%A1tica-ea706b4ac444</a:t>
             </a:r>
@@ -33109,12 +33170,6 @@
 </file>
 
 <file path=customXml/item1.xml><?xml version="1.0" encoding="utf-8"?>
-<p:properties xmlns:p="http://schemas.microsoft.com/office/2006/metadata/properties" xmlns:xsi="http://www.w3.org/2001/XMLSchema-instance" xmlns:pc="http://schemas.microsoft.com/office/infopath/2007/PartnerControls">
-  <documentManagement/>
-</p:properties>
-</file>
-
-<file path=customXml/item2.xml><?xml version="1.0" encoding="utf-8"?>
 <?mso-contentType ?>
 <FormTemplates xmlns="http://schemas.microsoft.com/sharepoint/v3/contenttype/forms">
   <Display>DocumentLibraryForm</Display>
@@ -33123,7 +33178,7 @@
 </FormTemplates>
 </file>
 
-<file path=customXml/item3.xml><?xml version="1.0" encoding="utf-8"?>
+<file path=customXml/item2.xml><?xml version="1.0" encoding="utf-8"?>
 <ct:contentTypeSchema xmlns:ct="http://schemas.microsoft.com/office/2006/metadata/contentType" xmlns:ma="http://schemas.microsoft.com/office/2006/metadata/properties/metaAttributes" ct:_="" ma:_="" ma:contentTypeName="Documento" ma:contentTypeID="0x010100266AEBDDF5D33A4AA14CF2B601EDEDB0" ma:contentTypeVersion="10" ma:contentTypeDescription="Crie um novo documento." ma:contentTypeScope="" ma:versionID="49a9b1b46fb44cf0cd9eeaf83f20ef21">
   <xsd:schema xmlns:xsd="http://www.w3.org/2001/XMLSchema" xmlns:xs="http://www.w3.org/2001/XMLSchema" xmlns:p="http://schemas.microsoft.com/office/2006/metadata/properties" xmlns:ns2="c695911c-c86e-42b9-9646-11ef85c770f6" xmlns:ns3="2e90b96c-1e9c-430b-ae8e-78958a20c7c5" targetNamespace="http://schemas.microsoft.com/office/2006/metadata/properties" ma:root="true" ma:fieldsID="c2a6d548be97a8876cc02d700dd6e42f" ns2:_="" ns3:_="">
     <xsd:import namespace="c695911c-c86e-42b9-9646-11ef85c770f6"/>
@@ -33326,24 +33381,13 @@
 </ct:contentTypeSchema>
 </file>
 
-<file path=customXml/itemProps1.xml><?xml version="1.0" encoding="utf-8"?>
-<ds:datastoreItem xmlns:ds="http://schemas.openxmlformats.org/officeDocument/2006/customXml" ds:itemID="{9356A7BF-776B-4773-9E72-FF1E998EBB9F}">
-  <ds:schemaRefs>
-    <ds:schemaRef ds:uri="5dea477f-3a95-4129-a756-9c719a20b659"/>
-    <ds:schemaRef ds:uri="http://schemas.microsoft.com/office/infopath/2007/PartnerControls"/>
-    <ds:schemaRef ds:uri="http://schemas.microsoft.com/office/2006/documentManagement/types"/>
-    <ds:schemaRef ds:uri="http://purl.org/dc/elements/1.1/"/>
-    <ds:schemaRef ds:uri="http://purl.org/dc/dcmitype/"/>
-    <ds:schemaRef ds:uri="http://schemas.microsoft.com/office/2006/metadata/properties"/>
-    <ds:schemaRef ds:uri="http://purl.org/dc/terms/"/>
-    <ds:schemaRef ds:uri="http://schemas.openxmlformats.org/package/2006/metadata/core-properties"/>
-    <ds:schemaRef ds:uri="57ea2faa-6b2c-42c3-8508-b380f9996a6d"/>
-    <ds:schemaRef ds:uri="http://www.w3.org/XML/1998/namespace"/>
-  </ds:schemaRefs>
-</ds:datastoreItem>
+<file path=customXml/item3.xml><?xml version="1.0" encoding="utf-8"?>
+<p:properties xmlns:p="http://schemas.microsoft.com/office/2006/metadata/properties" xmlns:xsi="http://www.w3.org/2001/XMLSchema-instance" xmlns:pc="http://schemas.microsoft.com/office/infopath/2007/PartnerControls">
+  <documentManagement/>
+</p:properties>
 </file>
 
-<file path=customXml/itemProps2.xml><?xml version="1.0" encoding="utf-8"?>
+<file path=customXml/itemProps1.xml><?xml version="1.0" encoding="utf-8"?>
 <ds:datastoreItem xmlns:ds="http://schemas.openxmlformats.org/officeDocument/2006/customXml" ds:itemID="{695E87BF-E12A-4D56-BD08-46B7B4D49B6C}">
   <ds:schemaRefs>
     <ds:schemaRef ds:uri="http://schemas.microsoft.com/sharepoint/v3/contenttype/forms"/>
@@ -33351,7 +33395,7 @@
 </ds:datastoreItem>
 </file>
 
-<file path=customXml/itemProps3.xml><?xml version="1.0" encoding="utf-8"?>
+<file path=customXml/itemProps2.xml><?xml version="1.0" encoding="utf-8"?>
 <ds:datastoreItem xmlns:ds="http://schemas.openxmlformats.org/officeDocument/2006/customXml" ds:itemID="{920C584F-0AF7-403C-8E2B-5F0ACCF3D887}">
   <ds:schemaRefs>
     <ds:schemaRef ds:uri="http://schemas.microsoft.com/office/2006/metadata/contentType"/>
@@ -33368,4 +33412,21 @@
     <ds:schemaRef ds:uri="http://schemas.microsoft.com/internal/obd"/>
   </ds:schemaRefs>
 </ds:datastoreItem>
+</file>
+
+<file path=customXml/itemProps3.xml><?xml version="1.0" encoding="utf-8"?>
+<ds:datastoreItem xmlns:ds="http://schemas.openxmlformats.org/officeDocument/2006/customXml" ds:itemID="{9356A7BF-776B-4773-9E72-FF1E998EBB9F}">
+  <ds:schemaRefs>
+    <ds:schemaRef ds:uri="5dea477f-3a95-4129-a756-9c719a20b659"/>
+    <ds:schemaRef ds:uri="http://schemas.microsoft.com/office/infopath/2007/PartnerControls"/>
+    <ds:schemaRef ds:uri="http://schemas.microsoft.com/office/2006/documentManagement/types"/>
+    <ds:schemaRef ds:uri="http://purl.org/dc/elements/1.1/"/>
+    <ds:schemaRef ds:uri="http://purl.org/dc/dcmitype/"/>
+    <ds:schemaRef ds:uri="http://schemas.microsoft.com/office/2006/metadata/properties"/>
+    <ds:schemaRef ds:uri="http://purl.org/dc/terms/"/>
+    <ds:schemaRef ds:uri="http://schemas.openxmlformats.org/package/2006/metadata/core-properties"/>
+    <ds:schemaRef ds:uri="57ea2faa-6b2c-42c3-8508-b380f9996a6d"/>
+    <ds:schemaRef ds:uri="http://www.w3.org/XML/1998/namespace"/>
+  </ds:schemaRefs>
+</ds:datastoreItem>
 </file>
--- a/Apresentação.pptx
+++ b/Apresentação.pptx
@@ -5,10 +5,10 @@
     <p:sldMasterId id="2147483648" r:id="rId4"/>
   </p:sldMasterIdLst>
   <p:notesMasterIdLst>
-    <p:notesMasterId r:id="rId59"/>
+    <p:notesMasterId r:id="rId69"/>
   </p:notesMasterIdLst>
   <p:handoutMasterIdLst>
-    <p:handoutMasterId r:id="rId60"/>
+    <p:handoutMasterId r:id="rId70"/>
   </p:handoutMasterIdLst>
   <p:sldIdLst>
     <p:sldId id="341" r:id="rId5"/>
@@ -53,18 +53,28 @@
     <p:sldId id="407" r:id="rId44"/>
     <p:sldId id="403" r:id="rId45"/>
     <p:sldId id="408" r:id="rId46"/>
-    <p:sldId id="370" r:id="rId47"/>
+    <p:sldId id="419" r:id="rId47"/>
     <p:sldId id="371" r:id="rId48"/>
-    <p:sldId id="413" r:id="rId49"/>
-    <p:sldId id="414" r:id="rId50"/>
-    <p:sldId id="415" r:id="rId51"/>
-    <p:sldId id="416" r:id="rId52"/>
-    <p:sldId id="357" r:id="rId53"/>
-    <p:sldId id="366" r:id="rId54"/>
-    <p:sldId id="412" r:id="rId55"/>
-    <p:sldId id="362" r:id="rId56"/>
-    <p:sldId id="386" r:id="rId57"/>
-    <p:sldId id="354" r:id="rId58"/>
+    <p:sldId id="432" r:id="rId49"/>
+    <p:sldId id="413" r:id="rId50"/>
+    <p:sldId id="414" r:id="rId51"/>
+    <p:sldId id="415" r:id="rId52"/>
+    <p:sldId id="416" r:id="rId53"/>
+    <p:sldId id="357" r:id="rId54"/>
+    <p:sldId id="366" r:id="rId55"/>
+    <p:sldId id="420" r:id="rId56"/>
+    <p:sldId id="421" r:id="rId57"/>
+    <p:sldId id="422" r:id="rId58"/>
+    <p:sldId id="423" r:id="rId59"/>
+    <p:sldId id="427" r:id="rId60"/>
+    <p:sldId id="428" r:id="rId61"/>
+    <p:sldId id="425" r:id="rId62"/>
+    <p:sldId id="429" r:id="rId63"/>
+    <p:sldId id="430" r:id="rId64"/>
+    <p:sldId id="431" r:id="rId65"/>
+    <p:sldId id="362" r:id="rId66"/>
+    <p:sldId id="386" r:id="rId67"/>
+    <p:sldId id="354" r:id="rId68"/>
   </p:sldIdLst>
   <p:sldSz cx="12239625" cy="6840538"/>
   <p:notesSz cx="6858000" cy="9144000"/>
@@ -432,7 +442,7 @@
           <a:p>
             <a:fld id="{78C7FA3A-82FF-D542-AB18-F5D456387AD0}" type="datetimeFigureOut">
               <a:rPr lang="pt-BR" smtClean="0"/>
-              <a:t>16/12/2021</a:t>
+              <a:t>17/12/2021</a:t>
             </a:fld>
             <a:endParaRPr lang="pt-BR"/>
           </a:p>
@@ -27977,7 +27987,7 @@
           <p:cNvPr id="2" name="Título 1">
             <a:extLst>
               <a:ext uri="{FF2B5EF4-FFF2-40B4-BE49-F238E27FC236}">
-                <a16:creationId xmlns:a16="http://schemas.microsoft.com/office/drawing/2014/main" id="{B3E21699-3CC4-4950-88A1-8DF4D488995E}"/>
+                <a16:creationId xmlns:a16="http://schemas.microsoft.com/office/drawing/2014/main" id="{36A4D3CE-894F-4F1D-B2B2-7EE58552B7EC}"/>
               </a:ext>
             </a:extLst>
           </p:cNvPr>
@@ -27985,60 +27995,22 @@
             <a:spLocks noGrp="1"/>
           </p:cNvSpPr>
           <p:nvPr>
-            <p:ph type="title"/>
+            <p:ph type="ctrTitle"/>
           </p:nvPr>
         </p:nvSpPr>
-        <p:spPr/>
+        <p:spPr>
+          <a:xfrm>
+            <a:off x="1009268" y="2312297"/>
+            <a:ext cx="8613296" cy="2215945"/>
+          </a:xfrm>
+        </p:spPr>
         <p:txBody>
           <a:bodyPr/>
           <a:lstStyle/>
           <a:p>
             <a:r>
               <a:rPr lang="pt-BR" dirty="0" err="1"/>
-              <a:t>CustomRepository</a:t>
-            </a:r>
-            <a:endParaRPr lang="pt-BR" dirty="0"/>
-          </a:p>
-        </p:txBody>
-      </p:sp>
-      <p:sp>
-        <p:nvSpPr>
-          <p:cNvPr id="5" name="Espaço Reservado para Texto 4">
-            <a:extLst>
-              <a:ext uri="{FF2B5EF4-FFF2-40B4-BE49-F238E27FC236}">
-                <a16:creationId xmlns:a16="http://schemas.microsoft.com/office/drawing/2014/main" id="{9F9D2CDD-44E8-4371-88B6-D7318826B0F1}"/>
-              </a:ext>
-            </a:extLst>
-          </p:cNvPr>
-          <p:cNvSpPr>
-            <a:spLocks noGrp="1"/>
-          </p:cNvSpPr>
-          <p:nvPr>
-            <p:ph sz="quarter" idx="12"/>
-          </p:nvPr>
-        </p:nvSpPr>
-        <p:spPr/>
-        <p:txBody>
-          <a:bodyPr>
-            <a:normAutofit/>
-          </a:bodyPr>
-          <a:lstStyle/>
-          <a:p>
-            <a:r>
-              <a:rPr lang="en-US" dirty="0" err="1"/>
-              <a:t>QueryDSL</a:t>
-            </a:r>
-            <a:r>
-              <a:rPr lang="en-US" dirty="0"/>
-              <a:t> is a popular framework that provides you a Java API to create queries for relational databases and other data stores. If you’re familiar with JPA’s Criteria API, you might think that it does the same as </a:t>
-            </a:r>
-            <a:r>
-              <a:rPr lang="en-US" dirty="0" err="1"/>
-              <a:t>QueryDSL</a:t>
-            </a:r>
-            <a:r>
-              <a:rPr lang="en-US" dirty="0"/>
-              <a:t> and that you don’t need to learn about another framework.</a:t>
+              <a:t>Validations</a:t>
             </a:r>
             <a:endParaRPr lang="pt-BR" dirty="0"/>
           </a:p>
@@ -28047,7 +28019,7 @@
     </p:spTree>
     <p:extLst>
       <p:ext uri="{BB962C8B-B14F-4D97-AF65-F5344CB8AC3E}">
-        <p14:creationId xmlns:p14="http://schemas.microsoft.com/office/powerpoint/2010/main" val="333213195"/>
+        <p14:creationId xmlns:p14="http://schemas.microsoft.com/office/powerpoint/2010/main" val="377368735"/>
       </p:ext>
     </p:extLst>
   </p:cSld>
@@ -28097,7 +28069,7 @@
           <a:p>
             <a:r>
               <a:rPr lang="pt-BR" dirty="0" err="1"/>
-              <a:t>Validators</a:t>
+              <a:t>Validations</a:t>
             </a:r>
             <a:endParaRPr lang="pt-BR" dirty="0"/>
           </a:p>
@@ -28126,23 +28098,57 @@
           </a:bodyPr>
           <a:lstStyle/>
           <a:p>
-            <a:r>
-              <a:rPr lang="en-US" dirty="0" err="1"/>
-              <a:t>QueryDSL</a:t>
-            </a:r>
-            <a:r>
-              <a:rPr lang="en-US" dirty="0"/>
-              <a:t> is a popular framework that provides you a Java API to create queries for relational databases and other data stores. If you’re familiar with JPA’s Criteria API, you might think that it does the same as </a:t>
-            </a:r>
-            <a:r>
-              <a:rPr lang="en-US" dirty="0" err="1"/>
-              <a:t>QueryDSL</a:t>
-            </a:r>
-            <a:r>
-              <a:rPr lang="en-US" dirty="0"/>
-              <a:t> and that you don’t need to learn about another framework.</a:t>
-            </a:r>
             <a:endParaRPr lang="pt-BR" dirty="0"/>
+          </a:p>
+          <a:p>
+            <a:r>
+              <a:rPr lang="pt-BR" dirty="0"/>
+              <a:t>A validação é uma tarefa importante, mas na maioria das vezes também é tediosa de implementar. É uma coisa boa que a especificação </a:t>
+            </a:r>
+            <a:r>
+              <a:rPr lang="pt-BR" dirty="0" err="1"/>
+              <a:t>BeanValidation</a:t>
+            </a:r>
+            <a:r>
+              <a:rPr lang="pt-BR" dirty="0"/>
+              <a:t> e o </a:t>
+            </a:r>
+            <a:r>
+              <a:rPr lang="pt-BR" dirty="0" err="1"/>
+              <a:t>Hibernate</a:t>
+            </a:r>
+            <a:r>
+              <a:rPr lang="pt-BR" dirty="0"/>
+              <a:t> </a:t>
+            </a:r>
+            <a:r>
+              <a:rPr lang="pt-BR" dirty="0" err="1"/>
+              <a:t>Validator</a:t>
+            </a:r>
+            <a:r>
+              <a:rPr lang="pt-BR" dirty="0"/>
+              <a:t> como sua implementação de referência assumam a maior parte do trabalho. </a:t>
+            </a:r>
+          </a:p>
+          <a:p>
+            <a:endParaRPr lang="pt-BR" dirty="0"/>
+          </a:p>
+          <a:p>
+            <a:endParaRPr lang="pt-BR" dirty="0"/>
+          </a:p>
+          <a:p>
+            <a:r>
+              <a:rPr lang="pt-BR" dirty="0"/>
+              <a:t>Eles fornecem uma maneira padronizada e fácil de usar para validar atributos de objetos e parâmetros de métodos. E o melhor, eles se integram ao </a:t>
+            </a:r>
+            <a:r>
+              <a:rPr lang="pt-BR" dirty="0" err="1"/>
+              <a:t>Hibernate</a:t>
+            </a:r>
+            <a:r>
+              <a:rPr lang="pt-BR" dirty="0"/>
+              <a:t> ORM e todas as outras implementações JPA 2.x para fornecer validação automática de atributos de entidade.</a:t>
+            </a:r>
           </a:p>
         </p:txBody>
       </p:sp>
@@ -28181,6 +28187,163 @@
           <p:cNvPr id="2" name="Título 1">
             <a:extLst>
               <a:ext uri="{FF2B5EF4-FFF2-40B4-BE49-F238E27FC236}">
+                <a16:creationId xmlns:a16="http://schemas.microsoft.com/office/drawing/2014/main" id="{B3E21699-3CC4-4950-88A1-8DF4D488995E}"/>
+              </a:ext>
+            </a:extLst>
+          </p:cNvPr>
+          <p:cNvSpPr>
+            <a:spLocks noGrp="1"/>
+          </p:cNvSpPr>
+          <p:nvPr>
+            <p:ph type="title"/>
+          </p:nvPr>
+        </p:nvSpPr>
+        <p:spPr/>
+        <p:txBody>
+          <a:bodyPr/>
+          <a:lstStyle/>
+          <a:p>
+            <a:r>
+              <a:rPr lang="pt-BR" dirty="0" err="1"/>
+              <a:t>Validations</a:t>
+            </a:r>
+            <a:endParaRPr lang="pt-BR" dirty="0"/>
+          </a:p>
+        </p:txBody>
+      </p:sp>
+      <p:sp>
+        <p:nvSpPr>
+          <p:cNvPr id="5" name="Espaço Reservado para Texto 4">
+            <a:extLst>
+              <a:ext uri="{FF2B5EF4-FFF2-40B4-BE49-F238E27FC236}">
+                <a16:creationId xmlns:a16="http://schemas.microsoft.com/office/drawing/2014/main" id="{9F9D2CDD-44E8-4371-88B6-D7318826B0F1}"/>
+              </a:ext>
+            </a:extLst>
+          </p:cNvPr>
+          <p:cNvSpPr>
+            <a:spLocks noGrp="1"/>
+          </p:cNvSpPr>
+          <p:nvPr>
+            <p:ph sz="quarter" idx="12"/>
+          </p:nvPr>
+        </p:nvSpPr>
+        <p:spPr/>
+        <p:txBody>
+          <a:bodyPr>
+            <a:normAutofit/>
+          </a:bodyPr>
+          <a:lstStyle/>
+          <a:p>
+            <a:endParaRPr lang="pt-BR" dirty="0"/>
+          </a:p>
+          <a:p>
+            <a:r>
+              <a:rPr lang="pt-BR" dirty="0"/>
+              <a:t>A validação é executada automaticamente quando o </a:t>
+            </a:r>
+            <a:r>
+              <a:rPr lang="pt-BR" dirty="0" err="1"/>
+              <a:t>Hibernate</a:t>
+            </a:r>
+            <a:r>
+              <a:rPr lang="pt-BR" dirty="0"/>
+              <a:t>, ou qualquer outra implementação JPA, aciona eventos de ciclo de vida de </a:t>
+            </a:r>
+            <a:r>
+              <a:rPr lang="pt-BR" dirty="0" err="1"/>
+              <a:t>pré</a:t>
+            </a:r>
+            <a:r>
+              <a:rPr lang="pt-BR" dirty="0"/>
+              <a:t>-persistência, </a:t>
+            </a:r>
+            <a:r>
+              <a:rPr lang="pt-BR" dirty="0" err="1"/>
+              <a:t>pré</a:t>
+            </a:r>
+            <a:r>
+              <a:rPr lang="pt-BR" dirty="0"/>
+              <a:t>-atualização ou </a:t>
+            </a:r>
+            <a:r>
+              <a:rPr lang="pt-BR" dirty="0" err="1"/>
+              <a:t>pré</a:t>
+            </a:r>
+            <a:r>
+              <a:rPr lang="pt-BR" dirty="0"/>
+              <a:t>-remoção. </a:t>
+            </a:r>
+          </a:p>
+          <a:p>
+            <a:endParaRPr lang="pt-BR" dirty="0"/>
+          </a:p>
+          <a:p>
+            <a:r>
+              <a:rPr lang="pt-BR" dirty="0"/>
+              <a:t>Os eventos de </a:t>
+            </a:r>
+            <a:r>
+              <a:rPr lang="pt-BR" dirty="0" err="1"/>
+              <a:t>pré</a:t>
+            </a:r>
+            <a:r>
+              <a:rPr lang="pt-BR" dirty="0"/>
+              <a:t>-persistência e </a:t>
+            </a:r>
+            <a:r>
+              <a:rPr lang="pt-BR" dirty="0" err="1"/>
+              <a:t>pré</a:t>
+            </a:r>
+            <a:r>
+              <a:rPr lang="pt-BR" dirty="0"/>
+              <a:t>-atualização acionam a validação do grupo de validação padrão que contém todas as restrições de validação. Os eventos de ciclo de vida de </a:t>
+            </a:r>
+            <a:r>
+              <a:rPr lang="pt-BR" dirty="0" err="1"/>
+              <a:t>pré</a:t>
+            </a:r>
+            <a:r>
+              <a:rPr lang="pt-BR" dirty="0"/>
+              <a:t>-remoção acionam a validação de nenhum grupo de validação.</a:t>
+            </a:r>
+          </a:p>
+        </p:txBody>
+      </p:sp>
+    </p:spTree>
+    <p:extLst>
+      <p:ext uri="{BB962C8B-B14F-4D97-AF65-F5344CB8AC3E}">
+        <p14:creationId xmlns:p14="http://schemas.microsoft.com/office/powerpoint/2010/main" val="154252446"/>
+      </p:ext>
+    </p:extLst>
+  </p:cSld>
+  <p:clrMapOvr>
+    <a:masterClrMapping/>
+  </p:clrMapOvr>
+</p:sld>
+</file>
+
+<file path=ppt/slides/slide46.xml><?xml version="1.0" encoding="utf-8"?>
+<p:sld xmlns:a="http://schemas.openxmlformats.org/drawingml/2006/main" xmlns:r="http://schemas.openxmlformats.org/officeDocument/2006/relationships" xmlns:p="http://schemas.openxmlformats.org/presentationml/2006/main">
+  <p:cSld>
+    <p:spTree>
+      <p:nvGrpSpPr>
+        <p:cNvPr id="1" name=""/>
+        <p:cNvGrpSpPr/>
+        <p:nvPr/>
+      </p:nvGrpSpPr>
+      <p:grpSpPr>
+        <a:xfrm>
+          <a:off x="0" y="0"/>
+          <a:ext cx="0" cy="0"/>
+          <a:chOff x="0" y="0"/>
+          <a:chExt cx="0" cy="0"/>
+        </a:xfrm>
+      </p:grpSpPr>
+      <p:sp>
+        <p:nvSpPr>
+          <p:cNvPr id="2" name="Título 1">
+            <a:extLst>
+              <a:ext uri="{FF2B5EF4-FFF2-40B4-BE49-F238E27FC236}">
                 <a16:creationId xmlns:a16="http://schemas.microsoft.com/office/drawing/2014/main" id="{36A4D3CE-894F-4F1D-B2B2-7EE58552B7EC}"/>
               </a:ext>
             </a:extLst>
@@ -28223,7 +28386,7 @@
 </p:sld>
 </file>
 
-<file path=ppt/slides/slide46.xml><?xml version="1.0" encoding="utf-8"?>
+<file path=ppt/slides/slide47.xml><?xml version="1.0" encoding="utf-8"?>
 <p:sld xmlns:a="http://schemas.openxmlformats.org/drawingml/2006/main" xmlns:r="http://schemas.openxmlformats.org/officeDocument/2006/relationships" xmlns:p="http://schemas.openxmlformats.org/presentationml/2006/main">
   <p:cSld>
     <p:spTree>
@@ -28790,7 +28953,7 @@
 </p:sld>
 </file>
 
-<file path=ppt/slides/slide47.xml><?xml version="1.0" encoding="utf-8"?>
+<file path=ppt/slides/slide48.xml><?xml version="1.0" encoding="utf-8"?>
 <p:sld xmlns:a="http://schemas.openxmlformats.org/drawingml/2006/main" xmlns:r="http://schemas.openxmlformats.org/officeDocument/2006/relationships" xmlns:p="http://schemas.openxmlformats.org/presentationml/2006/main">
   <p:cSld>
     <p:spTree>
@@ -29527,7 +29690,7 @@
 </p:sld>
 </file>
 
-<file path=ppt/slides/slide48.xml><?xml version="1.0" encoding="utf-8"?>
+<file path=ppt/slides/slide49.xml><?xml version="1.0" encoding="utf-8"?>
 <p:sld xmlns:a="http://schemas.openxmlformats.org/drawingml/2006/main" xmlns:r="http://schemas.openxmlformats.org/officeDocument/2006/relationships" xmlns:p="http://schemas.openxmlformats.org/presentationml/2006/main">
   <p:cSld>
     <p:spTree>
@@ -30164,69 +30327,6 @@
 </p:sld>
 </file>
 
-<file path=ppt/slides/slide49.xml><?xml version="1.0" encoding="utf-8"?>
-<p:sld xmlns:a="http://schemas.openxmlformats.org/drawingml/2006/main" xmlns:r="http://schemas.openxmlformats.org/officeDocument/2006/relationships" xmlns:p="http://schemas.openxmlformats.org/presentationml/2006/main">
-  <p:cSld>
-    <p:spTree>
-      <p:nvGrpSpPr>
-        <p:cNvPr id="1" name=""/>
-        <p:cNvGrpSpPr/>
-        <p:nvPr/>
-      </p:nvGrpSpPr>
-      <p:grpSpPr>
-        <a:xfrm>
-          <a:off x="0" y="0"/>
-          <a:ext cx="0" cy="0"/>
-          <a:chOff x="0" y="0"/>
-          <a:chExt cx="0" cy="0"/>
-        </a:xfrm>
-      </p:grpSpPr>
-      <p:sp>
-        <p:nvSpPr>
-          <p:cNvPr id="2" name="Título 1">
-            <a:extLst>
-              <a:ext uri="{FF2B5EF4-FFF2-40B4-BE49-F238E27FC236}">
-                <a16:creationId xmlns:a16="http://schemas.microsoft.com/office/drawing/2014/main" id="{36A4D3CE-894F-4F1D-B2B2-7EE58552B7EC}"/>
-              </a:ext>
-            </a:extLst>
-          </p:cNvPr>
-          <p:cNvSpPr>
-            <a:spLocks noGrp="1"/>
-          </p:cNvSpPr>
-          <p:nvPr>
-            <p:ph type="ctrTitle"/>
-          </p:nvPr>
-        </p:nvSpPr>
-        <p:spPr>
-          <a:xfrm>
-            <a:off x="1009268" y="2312297"/>
-            <a:ext cx="8613296" cy="2215945"/>
-          </a:xfrm>
-        </p:spPr>
-        <p:txBody>
-          <a:bodyPr/>
-          <a:lstStyle/>
-          <a:p>
-            <a:r>
-              <a:rPr lang="pt-BR" dirty="0"/>
-              <a:t>Query DSL</a:t>
-            </a:r>
-          </a:p>
-        </p:txBody>
-      </p:sp>
-    </p:spTree>
-    <p:extLst>
-      <p:ext uri="{BB962C8B-B14F-4D97-AF65-F5344CB8AC3E}">
-        <p14:creationId xmlns:p14="http://schemas.microsoft.com/office/powerpoint/2010/main" val="1876394470"/>
-      </p:ext>
-    </p:extLst>
-  </p:cSld>
-  <p:clrMapOvr>
-    <a:masterClrMapping/>
-  </p:clrMapOvr>
-</p:sld>
-</file>
-
 <file path=ppt/slides/slide5.xml><?xml version="1.0" encoding="utf-8"?>
 <p:sld xmlns:a="http://schemas.openxmlformats.org/drawingml/2006/main" xmlns:r="http://schemas.openxmlformats.org/officeDocument/2006/relationships" xmlns:p="http://schemas.openxmlformats.org/presentationml/2006/main">
   <p:cSld>
@@ -30366,7 +30466,7 @@
           <p:cNvPr id="2" name="Título 1">
             <a:extLst>
               <a:ext uri="{FF2B5EF4-FFF2-40B4-BE49-F238E27FC236}">
-                <a16:creationId xmlns:a16="http://schemas.microsoft.com/office/drawing/2014/main" id="{B3E21699-3CC4-4950-88A1-8DF4D488995E}"/>
+                <a16:creationId xmlns:a16="http://schemas.microsoft.com/office/drawing/2014/main" id="{36A4D3CE-894F-4F1D-B2B2-7EE58552B7EC}"/>
               </a:ext>
             </a:extLst>
           </p:cNvPr>
@@ -30374,68 +30474,30 @@
             <a:spLocks noGrp="1"/>
           </p:cNvSpPr>
           <p:nvPr>
-            <p:ph type="title"/>
+            <p:ph type="ctrTitle"/>
           </p:nvPr>
         </p:nvSpPr>
-        <p:spPr/>
+        <p:spPr>
+          <a:xfrm>
+            <a:off x="1009268" y="2312297"/>
+            <a:ext cx="8613296" cy="2215945"/>
+          </a:xfrm>
+        </p:spPr>
         <p:txBody>
           <a:bodyPr/>
           <a:lstStyle/>
           <a:p>
             <a:r>
               <a:rPr lang="pt-BR" dirty="0"/>
-              <a:t>QueryDSL</a:t>
-            </a:r>
-          </a:p>
-        </p:txBody>
-      </p:sp>
-      <p:sp>
-        <p:nvSpPr>
-          <p:cNvPr id="5" name="Espaço Reservado para Texto 4">
-            <a:extLst>
-              <a:ext uri="{FF2B5EF4-FFF2-40B4-BE49-F238E27FC236}">
-                <a16:creationId xmlns:a16="http://schemas.microsoft.com/office/drawing/2014/main" id="{9F9D2CDD-44E8-4371-88B6-D7318826B0F1}"/>
-              </a:ext>
-            </a:extLst>
-          </p:cNvPr>
-          <p:cNvSpPr>
-            <a:spLocks noGrp="1"/>
-          </p:cNvSpPr>
-          <p:nvPr>
-            <p:ph sz="quarter" idx="12"/>
-          </p:nvPr>
-        </p:nvSpPr>
-        <p:spPr/>
-        <p:txBody>
-          <a:bodyPr>
-            <a:normAutofit/>
-          </a:bodyPr>
-          <a:lstStyle/>
-          <a:p>
-            <a:r>
-              <a:rPr lang="en-US" dirty="0" err="1"/>
-              <a:t>QueryDSL</a:t>
-            </a:r>
-            <a:r>
-              <a:rPr lang="en-US" dirty="0"/>
-              <a:t> is a popular framework that provides you a Java API to create queries for relational databases and other data stores. If you’re familiar with JPA’s Criteria API, you might think that it does the same as </a:t>
-            </a:r>
-            <a:r>
-              <a:rPr lang="en-US" dirty="0" err="1"/>
-              <a:t>QueryDSL</a:t>
-            </a:r>
-            <a:r>
-              <a:rPr lang="en-US" dirty="0"/>
-              <a:t> and that you don’t need to learn about another framework.</a:t>
-            </a:r>
-            <a:endParaRPr lang="pt-BR" dirty="0"/>
+              <a:t>Query DSL</a:t>
+            </a:r>
           </a:p>
         </p:txBody>
       </p:sp>
     </p:spTree>
     <p:extLst>
       <p:ext uri="{BB962C8B-B14F-4D97-AF65-F5344CB8AC3E}">
-        <p14:creationId xmlns:p14="http://schemas.microsoft.com/office/powerpoint/2010/main" val="3100263607"/>
+        <p14:creationId xmlns:p14="http://schemas.microsoft.com/office/powerpoint/2010/main" val="1876394470"/>
       </p:ext>
     </p:extLst>
   </p:cSld>
@@ -30467,7 +30529,7 @@
           <p:cNvPr id="2" name="Título 1">
             <a:extLst>
               <a:ext uri="{FF2B5EF4-FFF2-40B4-BE49-F238E27FC236}">
-                <a16:creationId xmlns:a16="http://schemas.microsoft.com/office/drawing/2014/main" id="{36A4D3CE-894F-4F1D-B2B2-7EE58552B7EC}"/>
+                <a16:creationId xmlns:a16="http://schemas.microsoft.com/office/drawing/2014/main" id="{B3E21699-3CC4-4950-88A1-8DF4D488995E}"/>
               </a:ext>
             </a:extLst>
           </p:cNvPr>
@@ -30475,31 +30537,61 @@
             <a:spLocks noGrp="1"/>
           </p:cNvSpPr>
           <p:nvPr>
-            <p:ph type="ctrTitle"/>
+            <p:ph type="title"/>
           </p:nvPr>
         </p:nvSpPr>
-        <p:spPr>
-          <a:xfrm>
-            <a:off x="1009268" y="2312297"/>
-            <a:ext cx="8613296" cy="2215945"/>
-          </a:xfrm>
-        </p:spPr>
+        <p:spPr/>
         <p:txBody>
           <a:bodyPr/>
           <a:lstStyle/>
           <a:p>
             <a:r>
-              <a:rPr lang="pt-BR" dirty="0" err="1"/>
-              <a:t>Validators</a:t>
-            </a:r>
+              <a:rPr lang="pt-BR" dirty="0"/>
+              <a:t>QueryDSL</a:t>
+            </a:r>
+          </a:p>
+        </p:txBody>
+      </p:sp>
+      <p:sp>
+        <p:nvSpPr>
+          <p:cNvPr id="5" name="Espaço Reservado para Texto 4">
+            <a:extLst>
+              <a:ext uri="{FF2B5EF4-FFF2-40B4-BE49-F238E27FC236}">
+                <a16:creationId xmlns:a16="http://schemas.microsoft.com/office/drawing/2014/main" id="{9F9D2CDD-44E8-4371-88B6-D7318826B0F1}"/>
+              </a:ext>
+            </a:extLst>
+          </p:cNvPr>
+          <p:cNvSpPr>
+            <a:spLocks noGrp="1"/>
+          </p:cNvSpPr>
+          <p:nvPr>
+            <p:ph sz="quarter" idx="12"/>
+          </p:nvPr>
+        </p:nvSpPr>
+        <p:spPr/>
+        <p:txBody>
+          <a:bodyPr>
+            <a:normAutofit/>
+          </a:bodyPr>
+          <a:lstStyle/>
+          <a:p>
             <a:endParaRPr lang="pt-BR" dirty="0"/>
+          </a:p>
+          <a:p>
+            <a:endParaRPr lang="pt-BR" dirty="0"/>
+          </a:p>
+          <a:p>
+            <a:r>
+              <a:rPr lang="pt-BR" dirty="0"/>
+              <a:t>Estruturas de mapeamento relacional de objeto estão no centro do Enterprise Java. Isso compensa a incompatibilidade entre a abordagem orientada a objetos e o modelo de banco de dados relacional. Eles também permitem que os desenvolvedores escrevam códigos de persistência e lógica de domínio mais claros e concisos.</a:t>
+            </a:r>
           </a:p>
         </p:txBody>
       </p:sp>
     </p:spTree>
     <p:extLst>
       <p:ext uri="{BB962C8B-B14F-4D97-AF65-F5344CB8AC3E}">
-        <p14:creationId xmlns:p14="http://schemas.microsoft.com/office/powerpoint/2010/main" val="2430255768"/>
+        <p14:creationId xmlns:p14="http://schemas.microsoft.com/office/powerpoint/2010/main" val="3100263607"/>
       </p:ext>
     </p:extLst>
   </p:cSld>
@@ -30510,6 +30602,1600 @@
 </file>
 
 <file path=ppt/slides/slide52.xml><?xml version="1.0" encoding="utf-8"?>
+<p:sld xmlns:a="http://schemas.openxmlformats.org/drawingml/2006/main" xmlns:r="http://schemas.openxmlformats.org/officeDocument/2006/relationships" xmlns:p="http://schemas.openxmlformats.org/presentationml/2006/main">
+  <p:cSld>
+    <p:spTree>
+      <p:nvGrpSpPr>
+        <p:cNvPr id="1" name=""/>
+        <p:cNvGrpSpPr/>
+        <p:nvPr/>
+      </p:nvGrpSpPr>
+      <p:grpSpPr>
+        <a:xfrm>
+          <a:off x="0" y="0"/>
+          <a:ext cx="0" cy="0"/>
+          <a:chOff x="0" y="0"/>
+          <a:chExt cx="0" cy="0"/>
+        </a:xfrm>
+      </p:grpSpPr>
+      <p:sp>
+        <p:nvSpPr>
+          <p:cNvPr id="2" name="Título 1">
+            <a:extLst>
+              <a:ext uri="{FF2B5EF4-FFF2-40B4-BE49-F238E27FC236}">
+                <a16:creationId xmlns:a16="http://schemas.microsoft.com/office/drawing/2014/main" id="{B3E21699-3CC4-4950-88A1-8DF4D488995E}"/>
+              </a:ext>
+            </a:extLst>
+          </p:cNvPr>
+          <p:cNvSpPr>
+            <a:spLocks noGrp="1"/>
+          </p:cNvSpPr>
+          <p:nvPr>
+            <p:ph type="title"/>
+          </p:nvPr>
+        </p:nvSpPr>
+        <p:spPr/>
+        <p:txBody>
+          <a:bodyPr/>
+          <a:lstStyle/>
+          <a:p>
+            <a:r>
+              <a:rPr lang="pt-BR" dirty="0"/>
+              <a:t>QueryDSL</a:t>
+            </a:r>
+          </a:p>
+        </p:txBody>
+      </p:sp>
+      <p:sp>
+        <p:nvSpPr>
+          <p:cNvPr id="5" name="Espaço Reservado para Texto 4">
+            <a:extLst>
+              <a:ext uri="{FF2B5EF4-FFF2-40B4-BE49-F238E27FC236}">
+                <a16:creationId xmlns:a16="http://schemas.microsoft.com/office/drawing/2014/main" id="{9F9D2CDD-44E8-4371-88B6-D7318826B0F1}"/>
+              </a:ext>
+            </a:extLst>
+          </p:cNvPr>
+          <p:cNvSpPr>
+            <a:spLocks noGrp="1"/>
+          </p:cNvSpPr>
+          <p:nvPr>
+            <p:ph sz="quarter" idx="12"/>
+          </p:nvPr>
+        </p:nvSpPr>
+        <p:spPr/>
+        <p:txBody>
+          <a:bodyPr>
+            <a:normAutofit/>
+          </a:bodyPr>
+          <a:lstStyle/>
+          <a:p>
+            <a:endParaRPr lang="pt-BR" dirty="0"/>
+          </a:p>
+          <a:p>
+            <a:pPr marL="0" indent="0">
+              <a:buNone/>
+            </a:pPr>
+            <a:endParaRPr lang="pt-BR" u="sng" dirty="0"/>
+          </a:p>
+          <a:p>
+            <a:r>
+              <a:rPr lang="pt-BR" dirty="0"/>
+              <a:t>Um dos frameworks Java ORM mais amplamente usados, o </a:t>
+            </a:r>
+            <a:r>
+              <a:rPr lang="pt-BR" dirty="0" err="1"/>
+              <a:t>Hibernate</a:t>
+            </a:r>
+            <a:r>
+              <a:rPr lang="pt-BR" dirty="0"/>
+              <a:t> (e também o padrão JPA intimamente relacionado), propõe uma linguagem de consulta baseada em </a:t>
+            </a:r>
+            <a:r>
+              <a:rPr lang="pt-BR" dirty="0" err="1"/>
+              <a:t>string</a:t>
+            </a:r>
+            <a:r>
+              <a:rPr lang="pt-BR" dirty="0"/>
+              <a:t> HQL (JPQL) muito semelhante ao SQL. As desvantagens óbvias dessa abordagem são a falta de segurança de tipo e a ausência de verificação de consulta estática. Além disso, em casos mais complexos (por exemplo, quando a consulta precisa ser construída em tempo de execução dependendo de algumas condições), construir uma consulta HQL normalmente envolve a concatenação de </a:t>
+            </a:r>
+            <a:r>
+              <a:rPr lang="pt-BR" dirty="0" err="1"/>
+              <a:t>strings</a:t>
+            </a:r>
+            <a:r>
+              <a:rPr lang="pt-BR" dirty="0"/>
+              <a:t>, que geralmente é muito insegura e sujeita a erros.</a:t>
+            </a:r>
+          </a:p>
+        </p:txBody>
+      </p:sp>
+    </p:spTree>
+    <p:extLst>
+      <p:ext uri="{BB962C8B-B14F-4D97-AF65-F5344CB8AC3E}">
+        <p14:creationId xmlns:p14="http://schemas.microsoft.com/office/powerpoint/2010/main" val="2183283865"/>
+      </p:ext>
+    </p:extLst>
+  </p:cSld>
+  <p:clrMapOvr>
+    <a:masterClrMapping/>
+  </p:clrMapOvr>
+</p:sld>
+</file>
+
+<file path=ppt/slides/slide53.xml><?xml version="1.0" encoding="utf-8"?>
+<p:sld xmlns:a="http://schemas.openxmlformats.org/drawingml/2006/main" xmlns:r="http://schemas.openxmlformats.org/officeDocument/2006/relationships" xmlns:p="http://schemas.openxmlformats.org/presentationml/2006/main">
+  <p:cSld>
+    <p:spTree>
+      <p:nvGrpSpPr>
+        <p:cNvPr id="1" name=""/>
+        <p:cNvGrpSpPr/>
+        <p:nvPr/>
+      </p:nvGrpSpPr>
+      <p:grpSpPr>
+        <a:xfrm>
+          <a:off x="0" y="0"/>
+          <a:ext cx="0" cy="0"/>
+          <a:chOff x="0" y="0"/>
+          <a:chExt cx="0" cy="0"/>
+        </a:xfrm>
+      </p:grpSpPr>
+      <p:sp>
+        <p:nvSpPr>
+          <p:cNvPr id="2" name="Título 1">
+            <a:extLst>
+              <a:ext uri="{FF2B5EF4-FFF2-40B4-BE49-F238E27FC236}">
+                <a16:creationId xmlns:a16="http://schemas.microsoft.com/office/drawing/2014/main" id="{B3E21699-3CC4-4950-88A1-8DF4D488995E}"/>
+              </a:ext>
+            </a:extLst>
+          </p:cNvPr>
+          <p:cNvSpPr>
+            <a:spLocks noGrp="1"/>
+          </p:cNvSpPr>
+          <p:nvPr>
+            <p:ph type="title"/>
+          </p:nvPr>
+        </p:nvSpPr>
+        <p:spPr/>
+        <p:txBody>
+          <a:bodyPr/>
+          <a:lstStyle/>
+          <a:p>
+            <a:r>
+              <a:rPr lang="pt-BR" dirty="0"/>
+              <a:t>QueryDSL</a:t>
+            </a:r>
+          </a:p>
+        </p:txBody>
+      </p:sp>
+      <p:sp>
+        <p:nvSpPr>
+          <p:cNvPr id="5" name="Espaço Reservado para Texto 4">
+            <a:extLst>
+              <a:ext uri="{FF2B5EF4-FFF2-40B4-BE49-F238E27FC236}">
+                <a16:creationId xmlns:a16="http://schemas.microsoft.com/office/drawing/2014/main" id="{9F9D2CDD-44E8-4371-88B6-D7318826B0F1}"/>
+              </a:ext>
+            </a:extLst>
+          </p:cNvPr>
+          <p:cNvSpPr>
+            <a:spLocks noGrp="1"/>
+          </p:cNvSpPr>
+          <p:nvPr>
+            <p:ph sz="quarter" idx="12"/>
+          </p:nvPr>
+        </p:nvSpPr>
+        <p:spPr/>
+        <p:txBody>
+          <a:bodyPr>
+            <a:normAutofit/>
+          </a:bodyPr>
+          <a:lstStyle/>
+          <a:p>
+            <a:endParaRPr lang="pt-BR" dirty="0"/>
+          </a:p>
+          <a:p>
+            <a:pPr marL="0" indent="0">
+              <a:buNone/>
+            </a:pPr>
+            <a:endParaRPr lang="pt-BR" u="sng" dirty="0"/>
+          </a:p>
+          <a:p>
+            <a:r>
+              <a:rPr lang="pt-BR" dirty="0"/>
+              <a:t>Um dos frameworks Java ORM mais amplamente usados, o </a:t>
+            </a:r>
+            <a:r>
+              <a:rPr lang="pt-BR" dirty="0" err="1"/>
+              <a:t>Hibernate</a:t>
+            </a:r>
+            <a:r>
+              <a:rPr lang="pt-BR" dirty="0"/>
+              <a:t> (e também o padrão JPA intimamente relacionado), propõe uma linguagem de consulta baseada em </a:t>
+            </a:r>
+            <a:r>
+              <a:rPr lang="pt-BR" dirty="0" err="1"/>
+              <a:t>string</a:t>
+            </a:r>
+            <a:r>
+              <a:rPr lang="pt-BR" dirty="0"/>
+              <a:t> HQL (JPQL) muito semelhante ao SQL. As desvantagens óbvias dessa abordagem são a falta de segurança de tipo e a ausência de verificação de consulta estática. Além disso, em casos mais complexos (por exemplo, quando a consulta precisa ser construída em tempo de execução dependendo de algumas condições), construir uma consulta HQL normalmente envolve a concatenação de </a:t>
+            </a:r>
+            <a:r>
+              <a:rPr lang="pt-BR" dirty="0" err="1"/>
+              <a:t>strings</a:t>
+            </a:r>
+            <a:r>
+              <a:rPr lang="pt-BR" dirty="0"/>
+              <a:t>, que geralmente é muito insegura e sujeita a erros.</a:t>
+            </a:r>
+          </a:p>
+        </p:txBody>
+      </p:sp>
+    </p:spTree>
+    <p:extLst>
+      <p:ext uri="{BB962C8B-B14F-4D97-AF65-F5344CB8AC3E}">
+        <p14:creationId xmlns:p14="http://schemas.microsoft.com/office/powerpoint/2010/main" val="4139625726"/>
+      </p:ext>
+    </p:extLst>
+  </p:cSld>
+  <p:clrMapOvr>
+    <a:masterClrMapping/>
+  </p:clrMapOvr>
+</p:sld>
+</file>
+
+<file path=ppt/slides/slide54.xml><?xml version="1.0" encoding="utf-8"?>
+<p:sld xmlns:a="http://schemas.openxmlformats.org/drawingml/2006/main" xmlns:r="http://schemas.openxmlformats.org/officeDocument/2006/relationships" xmlns:p="http://schemas.openxmlformats.org/presentationml/2006/main">
+  <p:cSld>
+    <p:spTree>
+      <p:nvGrpSpPr>
+        <p:cNvPr id="1" name=""/>
+        <p:cNvGrpSpPr/>
+        <p:nvPr/>
+      </p:nvGrpSpPr>
+      <p:grpSpPr>
+        <a:xfrm>
+          <a:off x="0" y="0"/>
+          <a:ext cx="0" cy="0"/>
+          <a:chOff x="0" y="0"/>
+          <a:chExt cx="0" cy="0"/>
+        </a:xfrm>
+      </p:grpSpPr>
+      <p:sp>
+        <p:nvSpPr>
+          <p:cNvPr id="2" name="Título 1">
+            <a:extLst>
+              <a:ext uri="{FF2B5EF4-FFF2-40B4-BE49-F238E27FC236}">
+                <a16:creationId xmlns:a16="http://schemas.microsoft.com/office/drawing/2014/main" id="{B3E21699-3CC4-4950-88A1-8DF4D488995E}"/>
+              </a:ext>
+            </a:extLst>
+          </p:cNvPr>
+          <p:cNvSpPr>
+            <a:spLocks noGrp="1"/>
+          </p:cNvSpPr>
+          <p:nvPr>
+            <p:ph type="title"/>
+          </p:nvPr>
+        </p:nvSpPr>
+        <p:spPr/>
+        <p:txBody>
+          <a:bodyPr/>
+          <a:lstStyle/>
+          <a:p>
+            <a:r>
+              <a:rPr lang="pt-BR" dirty="0" err="1"/>
+              <a:t>QueryDSL</a:t>
+            </a:r>
+            <a:r>
+              <a:rPr lang="pt-BR" dirty="0"/>
+              <a:t> - Configurando o projeto</a:t>
+            </a:r>
+          </a:p>
+        </p:txBody>
+      </p:sp>
+      <p:sp>
+        <p:nvSpPr>
+          <p:cNvPr id="5" name="Espaço Reservado para Texto 4">
+            <a:extLst>
+              <a:ext uri="{FF2B5EF4-FFF2-40B4-BE49-F238E27FC236}">
+                <a16:creationId xmlns:a16="http://schemas.microsoft.com/office/drawing/2014/main" id="{9F9D2CDD-44E8-4371-88B6-D7318826B0F1}"/>
+              </a:ext>
+            </a:extLst>
+          </p:cNvPr>
+          <p:cNvSpPr>
+            <a:spLocks noGrp="1"/>
+          </p:cNvSpPr>
+          <p:nvPr>
+            <p:ph sz="quarter" idx="12"/>
+          </p:nvPr>
+        </p:nvSpPr>
+        <p:spPr/>
+        <p:txBody>
+          <a:bodyPr>
+            <a:normAutofit/>
+          </a:bodyPr>
+          <a:lstStyle/>
+          <a:p>
+            <a:r>
+              <a:rPr lang="pt-BR" dirty="0"/>
+              <a:t>Para utilizar o </a:t>
+            </a:r>
+            <a:r>
+              <a:rPr lang="pt-BR" dirty="0" err="1"/>
+              <a:t>QueryDSL</a:t>
+            </a:r>
+            <a:r>
+              <a:rPr lang="pt-BR" dirty="0"/>
+              <a:t> é necessário que algumas configurações de dependência sejam feitas no projeto</a:t>
+            </a:r>
+          </a:p>
+          <a:p>
+            <a:r>
+              <a:rPr lang="pt-BR" dirty="0"/>
+              <a:t>Precisa-se colocar no pom.xml as seguintes dependências:</a:t>
+            </a:r>
+          </a:p>
+          <a:p>
+            <a:endParaRPr lang="pt-BR" dirty="0"/>
+          </a:p>
+          <a:p>
+            <a:endParaRPr lang="pt-BR" dirty="0"/>
+          </a:p>
+          <a:p>
+            <a:endParaRPr lang="pt-BR" dirty="0"/>
+          </a:p>
+          <a:p>
+            <a:endParaRPr lang="pt-BR" dirty="0"/>
+          </a:p>
+        </p:txBody>
+      </p:sp>
+      <p:pic>
+        <p:nvPicPr>
+          <p:cNvPr id="4" name="Imagem 3">
+            <a:extLst>
+              <a:ext uri="{FF2B5EF4-FFF2-40B4-BE49-F238E27FC236}">
+                <a16:creationId xmlns:a16="http://schemas.microsoft.com/office/drawing/2014/main" id="{1870CE6E-441F-4789-80A2-C7ADBD9352F4}"/>
+              </a:ext>
+            </a:extLst>
+          </p:cNvPr>
+          <p:cNvPicPr>
+            <a:picLocks noChangeAspect="1"/>
+          </p:cNvPicPr>
+          <p:nvPr/>
+        </p:nvPicPr>
+        <p:blipFill>
+          <a:blip r:embed="rId2"/>
+          <a:stretch>
+            <a:fillRect/>
+          </a:stretch>
+        </p:blipFill>
+        <p:spPr>
+          <a:xfrm>
+            <a:off x="4090987" y="3420269"/>
+            <a:ext cx="4057650" cy="2638425"/>
+          </a:xfrm>
+          <a:prstGeom prst="rect">
+            <a:avLst/>
+          </a:prstGeom>
+        </p:spPr>
+      </p:pic>
+    </p:spTree>
+    <p:extLst>
+      <p:ext uri="{BB962C8B-B14F-4D97-AF65-F5344CB8AC3E}">
+        <p14:creationId xmlns:p14="http://schemas.microsoft.com/office/powerpoint/2010/main" val="2148920465"/>
+      </p:ext>
+    </p:extLst>
+  </p:cSld>
+  <p:clrMapOvr>
+    <a:masterClrMapping/>
+  </p:clrMapOvr>
+</p:sld>
+</file>
+
+<file path=ppt/slides/slide55.xml><?xml version="1.0" encoding="utf-8"?>
+<p:sld xmlns:a="http://schemas.openxmlformats.org/drawingml/2006/main" xmlns:r="http://schemas.openxmlformats.org/officeDocument/2006/relationships" xmlns:p="http://schemas.openxmlformats.org/presentationml/2006/main">
+  <p:cSld>
+    <p:spTree>
+      <p:nvGrpSpPr>
+        <p:cNvPr id="1" name=""/>
+        <p:cNvGrpSpPr/>
+        <p:nvPr/>
+      </p:nvGrpSpPr>
+      <p:grpSpPr>
+        <a:xfrm>
+          <a:off x="0" y="0"/>
+          <a:ext cx="0" cy="0"/>
+          <a:chOff x="0" y="0"/>
+          <a:chExt cx="0" cy="0"/>
+        </a:xfrm>
+      </p:grpSpPr>
+      <p:sp>
+        <p:nvSpPr>
+          <p:cNvPr id="2" name="Título 1">
+            <a:extLst>
+              <a:ext uri="{FF2B5EF4-FFF2-40B4-BE49-F238E27FC236}">
+                <a16:creationId xmlns:a16="http://schemas.microsoft.com/office/drawing/2014/main" id="{B3E21699-3CC4-4950-88A1-8DF4D488995E}"/>
+              </a:ext>
+            </a:extLst>
+          </p:cNvPr>
+          <p:cNvSpPr>
+            <a:spLocks noGrp="1"/>
+          </p:cNvSpPr>
+          <p:nvPr>
+            <p:ph type="title"/>
+          </p:nvPr>
+        </p:nvSpPr>
+        <p:spPr/>
+        <p:txBody>
+          <a:bodyPr/>
+          <a:lstStyle/>
+          <a:p>
+            <a:r>
+              <a:rPr lang="pt-BR" dirty="0" err="1"/>
+              <a:t>QueryDSL</a:t>
+            </a:r>
+            <a:r>
+              <a:rPr lang="pt-BR" dirty="0"/>
+              <a:t> - Configurando o projeto</a:t>
+            </a:r>
+          </a:p>
+        </p:txBody>
+      </p:sp>
+      <p:sp>
+        <p:nvSpPr>
+          <p:cNvPr id="5" name="Espaço Reservado para Texto 4">
+            <a:extLst>
+              <a:ext uri="{FF2B5EF4-FFF2-40B4-BE49-F238E27FC236}">
+                <a16:creationId xmlns:a16="http://schemas.microsoft.com/office/drawing/2014/main" id="{9F9D2CDD-44E8-4371-88B6-D7318826B0F1}"/>
+              </a:ext>
+            </a:extLst>
+          </p:cNvPr>
+          <p:cNvSpPr>
+            <a:spLocks noGrp="1"/>
+          </p:cNvSpPr>
+          <p:nvPr>
+            <p:ph sz="quarter" idx="12"/>
+          </p:nvPr>
+        </p:nvSpPr>
+        <p:spPr/>
+        <p:txBody>
+          <a:bodyPr>
+            <a:normAutofit/>
+          </a:bodyPr>
+          <a:lstStyle/>
+          <a:p>
+            <a:r>
+              <a:rPr lang="pt-BR" dirty="0"/>
+              <a:t>Também é necessário colocar na lista de plugins do pom.xml o plugin</a:t>
+            </a:r>
+          </a:p>
+          <a:p>
+            <a:endParaRPr lang="pt-BR" dirty="0"/>
+          </a:p>
+          <a:p>
+            <a:endParaRPr lang="pt-BR" dirty="0"/>
+          </a:p>
+          <a:p>
+            <a:endParaRPr lang="pt-BR" dirty="0"/>
+          </a:p>
+          <a:p>
+            <a:endParaRPr lang="pt-BR" dirty="0"/>
+          </a:p>
+          <a:p>
+            <a:endParaRPr lang="pt-BR" dirty="0"/>
+          </a:p>
+          <a:p>
+            <a:endParaRPr lang="pt-BR" dirty="0"/>
+          </a:p>
+        </p:txBody>
+      </p:sp>
+      <p:pic>
+        <p:nvPicPr>
+          <p:cNvPr id="6" name="Imagem 5">
+            <a:extLst>
+              <a:ext uri="{FF2B5EF4-FFF2-40B4-BE49-F238E27FC236}">
+                <a16:creationId xmlns:a16="http://schemas.microsoft.com/office/drawing/2014/main" id="{D8EB36A9-70CF-43B8-B616-4154F5D25DA9}"/>
+              </a:ext>
+            </a:extLst>
+          </p:cNvPr>
+          <p:cNvPicPr>
+            <a:picLocks noChangeAspect="1"/>
+          </p:cNvPicPr>
+          <p:nvPr/>
+        </p:nvPicPr>
+        <p:blipFill>
+          <a:blip r:embed="rId2"/>
+          <a:stretch>
+            <a:fillRect/>
+          </a:stretch>
+        </p:blipFill>
+        <p:spPr>
+          <a:xfrm>
+            <a:off x="2543174" y="2982119"/>
+            <a:ext cx="7153275" cy="3619500"/>
+          </a:xfrm>
+          <a:prstGeom prst="rect">
+            <a:avLst/>
+          </a:prstGeom>
+        </p:spPr>
+      </p:pic>
+    </p:spTree>
+    <p:extLst>
+      <p:ext uri="{BB962C8B-B14F-4D97-AF65-F5344CB8AC3E}">
+        <p14:creationId xmlns:p14="http://schemas.microsoft.com/office/powerpoint/2010/main" val="598465719"/>
+      </p:ext>
+    </p:extLst>
+  </p:cSld>
+  <p:clrMapOvr>
+    <a:masterClrMapping/>
+  </p:clrMapOvr>
+</p:sld>
+</file>
+
+<file path=ppt/slides/slide56.xml><?xml version="1.0" encoding="utf-8"?>
+<p:sld xmlns:a="http://schemas.openxmlformats.org/drawingml/2006/main" xmlns:r="http://schemas.openxmlformats.org/officeDocument/2006/relationships" xmlns:p="http://schemas.openxmlformats.org/presentationml/2006/main">
+  <p:cSld>
+    <p:spTree>
+      <p:nvGrpSpPr>
+        <p:cNvPr id="1" name=""/>
+        <p:cNvGrpSpPr/>
+        <p:nvPr/>
+      </p:nvGrpSpPr>
+      <p:grpSpPr>
+        <a:xfrm>
+          <a:off x="0" y="0"/>
+          <a:ext cx="0" cy="0"/>
+          <a:chOff x="0" y="0"/>
+          <a:chExt cx="0" cy="0"/>
+        </a:xfrm>
+      </p:grpSpPr>
+      <p:sp>
+        <p:nvSpPr>
+          <p:cNvPr id="2" name="Título 1">
+            <a:extLst>
+              <a:ext uri="{FF2B5EF4-FFF2-40B4-BE49-F238E27FC236}">
+                <a16:creationId xmlns:a16="http://schemas.microsoft.com/office/drawing/2014/main" id="{B3E21699-3CC4-4950-88A1-8DF4D488995E}"/>
+              </a:ext>
+            </a:extLst>
+          </p:cNvPr>
+          <p:cNvSpPr>
+            <a:spLocks noGrp="1"/>
+          </p:cNvSpPr>
+          <p:nvPr>
+            <p:ph type="title"/>
+          </p:nvPr>
+        </p:nvSpPr>
+        <p:spPr/>
+        <p:txBody>
+          <a:bodyPr/>
+          <a:lstStyle/>
+          <a:p>
+            <a:r>
+              <a:rPr lang="pt-BR" dirty="0" err="1"/>
+              <a:t>QueryDSL</a:t>
+            </a:r>
+            <a:r>
+              <a:rPr lang="pt-BR" dirty="0"/>
+              <a:t> - </a:t>
+            </a:r>
+            <a:r>
+              <a:rPr lang="pt-BR" dirty="0" err="1"/>
+              <a:t>Buildando</a:t>
+            </a:r>
+            <a:r>
+              <a:rPr lang="pt-BR" dirty="0"/>
+              <a:t> as classes Q-</a:t>
+            </a:r>
+            <a:r>
+              <a:rPr lang="pt-BR" dirty="0" err="1"/>
+              <a:t>type</a:t>
+            </a:r>
+            <a:endParaRPr lang="pt-BR" dirty="0"/>
+          </a:p>
+        </p:txBody>
+      </p:sp>
+      <p:sp>
+        <p:nvSpPr>
+          <p:cNvPr id="5" name="Espaço Reservado para Texto 4">
+            <a:extLst>
+              <a:ext uri="{FF2B5EF4-FFF2-40B4-BE49-F238E27FC236}">
+                <a16:creationId xmlns:a16="http://schemas.microsoft.com/office/drawing/2014/main" id="{9F9D2CDD-44E8-4371-88B6-D7318826B0F1}"/>
+              </a:ext>
+            </a:extLst>
+          </p:cNvPr>
+          <p:cNvSpPr>
+            <a:spLocks noGrp="1"/>
+          </p:cNvSpPr>
+          <p:nvPr>
+            <p:ph sz="quarter" idx="12"/>
+          </p:nvPr>
+        </p:nvSpPr>
+        <p:spPr/>
+        <p:txBody>
+          <a:bodyPr>
+            <a:normAutofit/>
+          </a:bodyPr>
+          <a:lstStyle/>
+          <a:p>
+            <a:r>
+              <a:rPr lang="pt-BR" dirty="0"/>
+              <a:t>Após a configuração das dependências e do plugin, é possível testar se tudo está funcionando corretamente executando o comando </a:t>
+            </a:r>
+            <a:r>
+              <a:rPr lang="pt-BR" dirty="0" err="1"/>
+              <a:t>mvn</a:t>
+            </a:r>
+            <a:r>
+              <a:rPr lang="pt-BR" dirty="0"/>
+              <a:t> compile dentro da pasta do projeto.</a:t>
+            </a:r>
+          </a:p>
+          <a:p>
+            <a:endParaRPr lang="pt-BR" dirty="0"/>
+          </a:p>
+          <a:p>
+            <a:endParaRPr lang="pt-BR" dirty="0"/>
+          </a:p>
+          <a:p>
+            <a:endParaRPr lang="pt-BR" dirty="0"/>
+          </a:p>
+          <a:p>
+            <a:endParaRPr lang="pt-BR" dirty="0"/>
+          </a:p>
+          <a:p>
+            <a:endParaRPr lang="pt-BR" dirty="0"/>
+          </a:p>
+        </p:txBody>
+      </p:sp>
+      <p:pic>
+        <p:nvPicPr>
+          <p:cNvPr id="4" name="Imagem 3">
+            <a:extLst>
+              <a:ext uri="{FF2B5EF4-FFF2-40B4-BE49-F238E27FC236}">
+                <a16:creationId xmlns:a16="http://schemas.microsoft.com/office/drawing/2014/main" id="{04BDAB73-196C-459B-BDF4-6E00C86D2215}"/>
+              </a:ext>
+            </a:extLst>
+          </p:cNvPr>
+          <p:cNvPicPr>
+            <a:picLocks noChangeAspect="1"/>
+          </p:cNvPicPr>
+          <p:nvPr/>
+        </p:nvPicPr>
+        <p:blipFill>
+          <a:blip r:embed="rId2"/>
+          <a:stretch>
+            <a:fillRect/>
+          </a:stretch>
+        </p:blipFill>
+        <p:spPr>
+          <a:xfrm>
+            <a:off x="1730768" y="3291839"/>
+            <a:ext cx="8778088" cy="2702453"/>
+          </a:xfrm>
+          <a:prstGeom prst="rect">
+            <a:avLst/>
+          </a:prstGeom>
+        </p:spPr>
+      </p:pic>
+    </p:spTree>
+    <p:extLst>
+      <p:ext uri="{BB962C8B-B14F-4D97-AF65-F5344CB8AC3E}">
+        <p14:creationId xmlns:p14="http://schemas.microsoft.com/office/powerpoint/2010/main" val="763003512"/>
+      </p:ext>
+    </p:extLst>
+  </p:cSld>
+  <p:clrMapOvr>
+    <a:masterClrMapping/>
+  </p:clrMapOvr>
+</p:sld>
+</file>
+
+<file path=ppt/slides/slide57.xml><?xml version="1.0" encoding="utf-8"?>
+<p:sld xmlns:a="http://schemas.openxmlformats.org/drawingml/2006/main" xmlns:r="http://schemas.openxmlformats.org/officeDocument/2006/relationships" xmlns:p="http://schemas.openxmlformats.org/presentationml/2006/main">
+  <p:cSld>
+    <p:spTree>
+      <p:nvGrpSpPr>
+        <p:cNvPr id="1" name=""/>
+        <p:cNvGrpSpPr/>
+        <p:nvPr/>
+      </p:nvGrpSpPr>
+      <p:grpSpPr>
+        <a:xfrm>
+          <a:off x="0" y="0"/>
+          <a:ext cx="0" cy="0"/>
+          <a:chOff x="0" y="0"/>
+          <a:chExt cx="0" cy="0"/>
+        </a:xfrm>
+      </p:grpSpPr>
+      <p:sp>
+        <p:nvSpPr>
+          <p:cNvPr id="2" name="Título 1">
+            <a:extLst>
+              <a:ext uri="{FF2B5EF4-FFF2-40B4-BE49-F238E27FC236}">
+                <a16:creationId xmlns:a16="http://schemas.microsoft.com/office/drawing/2014/main" id="{B3E21699-3CC4-4950-88A1-8DF4D488995E}"/>
+              </a:ext>
+            </a:extLst>
+          </p:cNvPr>
+          <p:cNvSpPr>
+            <a:spLocks noGrp="1"/>
+          </p:cNvSpPr>
+          <p:nvPr>
+            <p:ph type="title"/>
+          </p:nvPr>
+        </p:nvSpPr>
+        <p:spPr/>
+        <p:txBody>
+          <a:bodyPr/>
+          <a:lstStyle/>
+          <a:p>
+            <a:r>
+              <a:rPr lang="pt-BR" dirty="0" err="1"/>
+              <a:t>QueryDSL</a:t>
+            </a:r>
+            <a:r>
+              <a:rPr lang="pt-BR" dirty="0"/>
+              <a:t> - </a:t>
+            </a:r>
+            <a:r>
+              <a:rPr lang="pt-BR" dirty="0" err="1"/>
+              <a:t>Buildando</a:t>
+            </a:r>
+            <a:r>
+              <a:rPr lang="pt-BR" dirty="0"/>
+              <a:t> as classes Q-</a:t>
+            </a:r>
+            <a:r>
+              <a:rPr lang="pt-BR" dirty="0" err="1"/>
+              <a:t>type</a:t>
+            </a:r>
+            <a:endParaRPr lang="pt-BR" dirty="0"/>
+          </a:p>
+        </p:txBody>
+      </p:sp>
+      <p:sp>
+        <p:nvSpPr>
+          <p:cNvPr id="5" name="Espaço Reservado para Texto 4">
+            <a:extLst>
+              <a:ext uri="{FF2B5EF4-FFF2-40B4-BE49-F238E27FC236}">
+                <a16:creationId xmlns:a16="http://schemas.microsoft.com/office/drawing/2014/main" id="{9F9D2CDD-44E8-4371-88B6-D7318826B0F1}"/>
+              </a:ext>
+            </a:extLst>
+          </p:cNvPr>
+          <p:cNvSpPr>
+            <a:spLocks noGrp="1"/>
+          </p:cNvSpPr>
+          <p:nvPr>
+            <p:ph sz="quarter" idx="12"/>
+          </p:nvPr>
+        </p:nvSpPr>
+        <p:spPr/>
+        <p:txBody>
+          <a:bodyPr>
+            <a:normAutofit/>
+          </a:bodyPr>
+          <a:lstStyle/>
+          <a:p>
+            <a:r>
+              <a:rPr lang="pt-BR" dirty="0"/>
+              <a:t>O comando </a:t>
+            </a:r>
+            <a:r>
+              <a:rPr lang="pt-BR" dirty="0" err="1"/>
+              <a:t>mvn</a:t>
+            </a:r>
+            <a:r>
+              <a:rPr lang="pt-BR" dirty="0"/>
+              <a:t> compile gerará uma estrutura de classes que dentro do caminho de pacote que especificamos no plugin conforme a figura ...</a:t>
+            </a:r>
+          </a:p>
+          <a:p>
+            <a:endParaRPr lang="pt-BR" dirty="0"/>
+          </a:p>
+          <a:p>
+            <a:endParaRPr lang="pt-BR" dirty="0"/>
+          </a:p>
+          <a:p>
+            <a:endParaRPr lang="pt-BR" dirty="0"/>
+          </a:p>
+          <a:p>
+            <a:endParaRPr lang="pt-BR" dirty="0"/>
+          </a:p>
+          <a:p>
+            <a:endParaRPr lang="pt-BR" dirty="0"/>
+          </a:p>
+        </p:txBody>
+      </p:sp>
+      <p:pic>
+        <p:nvPicPr>
+          <p:cNvPr id="6" name="Imagem 5">
+            <a:extLst>
+              <a:ext uri="{FF2B5EF4-FFF2-40B4-BE49-F238E27FC236}">
+                <a16:creationId xmlns:a16="http://schemas.microsoft.com/office/drawing/2014/main" id="{E98F5CB8-9509-42EB-BDA0-424A727A24D2}"/>
+              </a:ext>
+            </a:extLst>
+          </p:cNvPr>
+          <p:cNvPicPr>
+            <a:picLocks noChangeAspect="1"/>
+          </p:cNvPicPr>
+          <p:nvPr/>
+        </p:nvPicPr>
+        <p:blipFill>
+          <a:blip r:embed="rId2"/>
+          <a:stretch>
+            <a:fillRect/>
+          </a:stretch>
+        </p:blipFill>
+        <p:spPr>
+          <a:xfrm>
+            <a:off x="3386137" y="3420269"/>
+            <a:ext cx="5467350" cy="1981200"/>
+          </a:xfrm>
+          <a:prstGeom prst="rect">
+            <a:avLst/>
+          </a:prstGeom>
+        </p:spPr>
+      </p:pic>
+    </p:spTree>
+    <p:extLst>
+      <p:ext uri="{BB962C8B-B14F-4D97-AF65-F5344CB8AC3E}">
+        <p14:creationId xmlns:p14="http://schemas.microsoft.com/office/powerpoint/2010/main" val="545507317"/>
+      </p:ext>
+    </p:extLst>
+  </p:cSld>
+  <p:clrMapOvr>
+    <a:masterClrMapping/>
+  </p:clrMapOvr>
+</p:sld>
+</file>
+
+<file path=ppt/slides/slide58.xml><?xml version="1.0" encoding="utf-8"?>
+<p:sld xmlns:a="http://schemas.openxmlformats.org/drawingml/2006/main" xmlns:r="http://schemas.openxmlformats.org/officeDocument/2006/relationships" xmlns:p="http://schemas.openxmlformats.org/presentationml/2006/main">
+  <p:cSld>
+    <p:spTree>
+      <p:nvGrpSpPr>
+        <p:cNvPr id="1" name=""/>
+        <p:cNvGrpSpPr/>
+        <p:nvPr/>
+      </p:nvGrpSpPr>
+      <p:grpSpPr>
+        <a:xfrm>
+          <a:off x="0" y="0"/>
+          <a:ext cx="0" cy="0"/>
+          <a:chOff x="0" y="0"/>
+          <a:chExt cx="0" cy="0"/>
+        </a:xfrm>
+      </p:grpSpPr>
+      <p:sp>
+        <p:nvSpPr>
+          <p:cNvPr id="2" name="Título 1">
+            <a:extLst>
+              <a:ext uri="{FF2B5EF4-FFF2-40B4-BE49-F238E27FC236}">
+                <a16:creationId xmlns:a16="http://schemas.microsoft.com/office/drawing/2014/main" id="{B3E21699-3CC4-4950-88A1-8DF4D488995E}"/>
+              </a:ext>
+            </a:extLst>
+          </p:cNvPr>
+          <p:cNvSpPr>
+            <a:spLocks noGrp="1"/>
+          </p:cNvSpPr>
+          <p:nvPr>
+            <p:ph type="title"/>
+          </p:nvPr>
+        </p:nvSpPr>
+        <p:spPr/>
+        <p:txBody>
+          <a:bodyPr/>
+          <a:lstStyle/>
+          <a:p>
+            <a:r>
+              <a:rPr lang="pt-BR" dirty="0" err="1"/>
+              <a:t>QueryDSL</a:t>
+            </a:r>
+            <a:r>
+              <a:rPr lang="pt-BR" dirty="0"/>
+              <a:t> - Como funciona?</a:t>
+            </a:r>
+          </a:p>
+        </p:txBody>
+      </p:sp>
+      <p:sp>
+        <p:nvSpPr>
+          <p:cNvPr id="5" name="Espaço Reservado para Texto 4">
+            <a:extLst>
+              <a:ext uri="{FF2B5EF4-FFF2-40B4-BE49-F238E27FC236}">
+                <a16:creationId xmlns:a16="http://schemas.microsoft.com/office/drawing/2014/main" id="{9F9D2CDD-44E8-4371-88B6-D7318826B0F1}"/>
+              </a:ext>
+            </a:extLst>
+          </p:cNvPr>
+          <p:cNvSpPr>
+            <a:spLocks noGrp="1"/>
+          </p:cNvSpPr>
+          <p:nvPr>
+            <p:ph sz="quarter" idx="12"/>
+          </p:nvPr>
+        </p:nvSpPr>
+        <p:spPr/>
+        <p:txBody>
+          <a:bodyPr>
+            <a:normAutofit/>
+          </a:bodyPr>
+          <a:lstStyle/>
+          <a:p>
+            <a:r>
+              <a:rPr lang="pt-BR" dirty="0"/>
+              <a:t>Sempre que você for fazer uma operação de build no seu projeto, antes do processo de compilação as entidades do seu projeto serão mapeadas e classes do Q- </a:t>
+            </a:r>
+            <a:r>
+              <a:rPr lang="pt-BR" dirty="0" err="1"/>
+              <a:t>type</a:t>
+            </a:r>
+            <a:r>
+              <a:rPr lang="pt-BR" dirty="0"/>
+              <a:t> que são classes que se relacionam diretamente com as classes de entidade de seu aplicativo, mas são prefixadas com a letra Q.</a:t>
+            </a:r>
+          </a:p>
+          <a:p>
+            <a:endParaRPr lang="pt-BR" dirty="0"/>
+          </a:p>
+          <a:p>
+            <a:endParaRPr lang="pt-BR" dirty="0"/>
+          </a:p>
+          <a:p>
+            <a:endParaRPr lang="pt-BR" dirty="0"/>
+          </a:p>
+          <a:p>
+            <a:endParaRPr lang="pt-BR" dirty="0"/>
+          </a:p>
+        </p:txBody>
+      </p:sp>
+    </p:spTree>
+    <p:extLst>
+      <p:ext uri="{BB962C8B-B14F-4D97-AF65-F5344CB8AC3E}">
+        <p14:creationId xmlns:p14="http://schemas.microsoft.com/office/powerpoint/2010/main" val="1054871171"/>
+      </p:ext>
+    </p:extLst>
+  </p:cSld>
+  <p:clrMapOvr>
+    <a:masterClrMapping/>
+  </p:clrMapOvr>
+</p:sld>
+</file>
+
+<file path=ppt/slides/slide59.xml><?xml version="1.0" encoding="utf-8"?>
+<p:sld xmlns:a="http://schemas.openxmlformats.org/drawingml/2006/main" xmlns:r="http://schemas.openxmlformats.org/officeDocument/2006/relationships" xmlns:p="http://schemas.openxmlformats.org/presentationml/2006/main">
+  <p:cSld>
+    <p:spTree>
+      <p:nvGrpSpPr>
+        <p:cNvPr id="1" name=""/>
+        <p:cNvGrpSpPr/>
+        <p:nvPr/>
+      </p:nvGrpSpPr>
+      <p:grpSpPr>
+        <a:xfrm>
+          <a:off x="0" y="0"/>
+          <a:ext cx="0" cy="0"/>
+          <a:chOff x="0" y="0"/>
+          <a:chExt cx="0" cy="0"/>
+        </a:xfrm>
+      </p:grpSpPr>
+      <p:sp>
+        <p:nvSpPr>
+          <p:cNvPr id="2" name="Título 1">
+            <a:extLst>
+              <a:ext uri="{FF2B5EF4-FFF2-40B4-BE49-F238E27FC236}">
+                <a16:creationId xmlns:a16="http://schemas.microsoft.com/office/drawing/2014/main" id="{B3E21699-3CC4-4950-88A1-8DF4D488995E}"/>
+              </a:ext>
+            </a:extLst>
+          </p:cNvPr>
+          <p:cNvSpPr>
+            <a:spLocks noGrp="1"/>
+          </p:cNvSpPr>
+          <p:nvPr>
+            <p:ph type="title"/>
+          </p:nvPr>
+        </p:nvSpPr>
+        <p:spPr/>
+        <p:txBody>
+          <a:bodyPr/>
+          <a:lstStyle/>
+          <a:p>
+            <a:r>
+              <a:rPr lang="pt-BR" dirty="0" err="1"/>
+              <a:t>QueryDSL</a:t>
+            </a:r>
+            <a:r>
+              <a:rPr lang="pt-BR" dirty="0"/>
+              <a:t> – Qual vantagem ???</a:t>
+            </a:r>
+          </a:p>
+        </p:txBody>
+      </p:sp>
+      <p:sp>
+        <p:nvSpPr>
+          <p:cNvPr id="5" name="Espaço Reservado para Texto 4">
+            <a:extLst>
+              <a:ext uri="{FF2B5EF4-FFF2-40B4-BE49-F238E27FC236}">
+                <a16:creationId xmlns:a16="http://schemas.microsoft.com/office/drawing/2014/main" id="{9F9D2CDD-44E8-4371-88B6-D7318826B0F1}"/>
+              </a:ext>
+            </a:extLst>
+          </p:cNvPr>
+          <p:cNvSpPr>
+            <a:spLocks noGrp="1"/>
+          </p:cNvSpPr>
+          <p:nvPr>
+            <p:ph sz="quarter" idx="12"/>
+          </p:nvPr>
+        </p:nvSpPr>
+        <p:spPr/>
+        <p:txBody>
+          <a:bodyPr>
+            <a:normAutofit/>
+          </a:bodyPr>
+          <a:lstStyle/>
+          <a:p>
+            <a:r>
+              <a:rPr lang="pt-BR" dirty="0" err="1"/>
+              <a:t>QueryDSL</a:t>
+            </a:r>
+            <a:r>
+              <a:rPr lang="pt-BR" dirty="0"/>
+              <a:t> nasceu da necessidade de	manter as consultas feitas pela aplicação </a:t>
+            </a:r>
+            <a:r>
+              <a:rPr lang="pt-BR" dirty="0" err="1"/>
+              <a:t>java</a:t>
+            </a:r>
+            <a:r>
+              <a:rPr lang="pt-BR" dirty="0"/>
+              <a:t> segura, sem os riscos de erros de digitação ou queries inválidas (</a:t>
+            </a:r>
+            <a:r>
+              <a:rPr lang="pt-BR" dirty="0" err="1"/>
+              <a:t>type</a:t>
+            </a:r>
+            <a:r>
+              <a:rPr lang="pt-BR" dirty="0"/>
+              <a:t>-safe)</a:t>
+            </a:r>
+          </a:p>
+          <a:p>
+            <a:endParaRPr lang="pt-BR" dirty="0"/>
+          </a:p>
+          <a:p>
+            <a:r>
+              <a:rPr lang="pt-BR" dirty="0"/>
+              <a:t>O Principio fundamental do </a:t>
+            </a:r>
+            <a:r>
+              <a:rPr lang="pt-BR" dirty="0" err="1"/>
+              <a:t>QueryDSL</a:t>
+            </a:r>
+            <a:r>
+              <a:rPr lang="pt-BR" dirty="0"/>
+              <a:t> é o </a:t>
+            </a:r>
+            <a:r>
+              <a:rPr lang="pt-BR" dirty="0" err="1"/>
+              <a:t>type-safety</a:t>
+            </a:r>
+            <a:r>
+              <a:rPr lang="pt-BR" dirty="0"/>
+              <a:t>, as consultas são criadas por classes </a:t>
+            </a:r>
+            <a:r>
+              <a:rPr lang="pt-BR" dirty="0" err="1"/>
+              <a:t>tipadas</a:t>
+            </a:r>
+            <a:r>
+              <a:rPr lang="pt-BR" dirty="0"/>
+              <a:t> que representam as </a:t>
+            </a:r>
+            <a:r>
+              <a:rPr lang="pt-BR" dirty="0" err="1"/>
+              <a:t>Entities</a:t>
+            </a:r>
+            <a:r>
+              <a:rPr lang="pt-BR" dirty="0"/>
+              <a:t> da aplicação</a:t>
+            </a:r>
+          </a:p>
+          <a:p>
+            <a:endParaRPr lang="pt-BR" dirty="0"/>
+          </a:p>
+          <a:p>
+            <a:r>
+              <a:rPr lang="pt-BR" dirty="0"/>
+              <a:t>Além de garantir que suas queries sejam construídas de forma segura, o </a:t>
+            </a:r>
+            <a:r>
+              <a:rPr lang="pt-BR" dirty="0" err="1"/>
+              <a:t>QueryDSL</a:t>
+            </a:r>
+            <a:r>
+              <a:rPr lang="pt-BR" dirty="0"/>
+              <a:t> ajuda na estruturação do código.</a:t>
+            </a:r>
+          </a:p>
+          <a:p>
+            <a:pPr marL="0" indent="0">
+              <a:buNone/>
+            </a:pPr>
+            <a:endParaRPr lang="pt-BR" dirty="0"/>
+          </a:p>
+          <a:p>
+            <a:endParaRPr lang="pt-BR" dirty="0"/>
+          </a:p>
+          <a:p>
+            <a:endParaRPr lang="pt-BR" dirty="0"/>
+          </a:p>
+          <a:p>
+            <a:endParaRPr lang="pt-BR" dirty="0"/>
+          </a:p>
+          <a:p>
+            <a:endParaRPr lang="pt-BR" dirty="0"/>
+          </a:p>
+        </p:txBody>
+      </p:sp>
+    </p:spTree>
+    <p:extLst>
+      <p:ext uri="{BB962C8B-B14F-4D97-AF65-F5344CB8AC3E}">
+        <p14:creationId xmlns:p14="http://schemas.microsoft.com/office/powerpoint/2010/main" val="1103945503"/>
+      </p:ext>
+    </p:extLst>
+  </p:cSld>
+  <p:clrMapOvr>
+    <a:masterClrMapping/>
+  </p:clrMapOvr>
+</p:sld>
+</file>
+
+<file path=ppt/slides/slide6.xml><?xml version="1.0" encoding="utf-8"?>
+<p:sld xmlns:a="http://schemas.openxmlformats.org/drawingml/2006/main" xmlns:r="http://schemas.openxmlformats.org/officeDocument/2006/relationships" xmlns:p="http://schemas.openxmlformats.org/presentationml/2006/main">
+  <p:cSld>
+    <p:spTree>
+      <p:nvGrpSpPr>
+        <p:cNvPr id="1" name=""/>
+        <p:cNvGrpSpPr/>
+        <p:nvPr/>
+      </p:nvGrpSpPr>
+      <p:grpSpPr>
+        <a:xfrm>
+          <a:off x="0" y="0"/>
+          <a:ext cx="0" cy="0"/>
+          <a:chOff x="0" y="0"/>
+          <a:chExt cx="0" cy="0"/>
+        </a:xfrm>
+      </p:grpSpPr>
+      <p:sp>
+        <p:nvSpPr>
+          <p:cNvPr id="2" name="Título 1">
+            <a:extLst>
+              <a:ext uri="{FF2B5EF4-FFF2-40B4-BE49-F238E27FC236}">
+                <a16:creationId xmlns:a16="http://schemas.microsoft.com/office/drawing/2014/main" id="{B3E21699-3CC4-4950-88A1-8DF4D488995E}"/>
+              </a:ext>
+            </a:extLst>
+          </p:cNvPr>
+          <p:cNvSpPr>
+            <a:spLocks noGrp="1"/>
+          </p:cNvSpPr>
+          <p:nvPr>
+            <p:ph type="title"/>
+          </p:nvPr>
+        </p:nvSpPr>
+        <p:spPr/>
+        <p:txBody>
+          <a:bodyPr/>
+          <a:lstStyle/>
+          <a:p>
+            <a:r>
+              <a:rPr lang="pt-BR" dirty="0"/>
+              <a:t>Hibernate</a:t>
+            </a:r>
+          </a:p>
+        </p:txBody>
+      </p:sp>
+      <p:sp>
+        <p:nvSpPr>
+          <p:cNvPr id="5" name="Espaço Reservado para Texto 4">
+            <a:extLst>
+              <a:ext uri="{FF2B5EF4-FFF2-40B4-BE49-F238E27FC236}">
+                <a16:creationId xmlns:a16="http://schemas.microsoft.com/office/drawing/2014/main" id="{9F9D2CDD-44E8-4371-88B6-D7318826B0F1}"/>
+              </a:ext>
+            </a:extLst>
+          </p:cNvPr>
+          <p:cNvSpPr>
+            <a:spLocks noGrp="1"/>
+          </p:cNvSpPr>
+          <p:nvPr>
+            <p:ph sz="quarter" idx="12"/>
+          </p:nvPr>
+        </p:nvSpPr>
+        <p:spPr/>
+        <p:txBody>
+          <a:bodyPr>
+            <a:normAutofit/>
+          </a:bodyPr>
+          <a:lstStyle/>
+          <a:p>
+            <a:pPr>
+              <a:lnSpc>
+                <a:spcPct val="150000"/>
+              </a:lnSpc>
+            </a:pPr>
+            <a:r>
+              <a:rPr lang="pt-BR" dirty="0"/>
+              <a:t>O Hibernate é um framework para o mapeamento objeto-relacional escrito na linguagem Java. Este framework facilita o mapeamento dos atributos entre uma base tradicional de dados relacionais e o modelo objeto de uma aplicação, mediante o uso de arquivos (XML) ou anotações Java.</a:t>
+            </a:r>
+          </a:p>
+          <a:p>
+            <a:pPr>
+              <a:lnSpc>
+                <a:spcPct val="150000"/>
+              </a:lnSpc>
+            </a:pPr>
+            <a:endParaRPr lang="pt-BR" dirty="0"/>
+          </a:p>
+          <a:p>
+            <a:pPr>
+              <a:lnSpc>
+                <a:spcPct val="150000"/>
+              </a:lnSpc>
+            </a:pPr>
+            <a:r>
+              <a:rPr lang="pt-BR" dirty="0"/>
+              <a:t>O objetivo do Hibernate é diminuir a complexidade entre os programas Java, baseado no modelo orientado a objeto, que precisam trabalhar com um banco de dados do modelo relacional (presente na maioria dos </a:t>
+            </a:r>
+            <a:r>
+              <a:rPr lang="pt-BR" dirty="0" err="1"/>
+              <a:t>SGBDs</a:t>
+            </a:r>
+            <a:r>
+              <a:rPr lang="pt-BR" dirty="0"/>
+              <a:t>). Em especial, no desenvolvimento de consultas e atualizações dos dados.</a:t>
+            </a:r>
+          </a:p>
+        </p:txBody>
+      </p:sp>
+    </p:spTree>
+    <p:extLst>
+      <p:ext uri="{BB962C8B-B14F-4D97-AF65-F5344CB8AC3E}">
+        <p14:creationId xmlns:p14="http://schemas.microsoft.com/office/powerpoint/2010/main" val="2460442963"/>
+      </p:ext>
+    </p:extLst>
+  </p:cSld>
+  <p:clrMapOvr>
+    <a:masterClrMapping/>
+  </p:clrMapOvr>
+</p:sld>
+</file>
+
+<file path=ppt/slides/slide60.xml><?xml version="1.0" encoding="utf-8"?>
+<p:sld xmlns:a="http://schemas.openxmlformats.org/drawingml/2006/main" xmlns:r="http://schemas.openxmlformats.org/officeDocument/2006/relationships" xmlns:p="http://schemas.openxmlformats.org/presentationml/2006/main">
+  <p:cSld>
+    <p:spTree>
+      <p:nvGrpSpPr>
+        <p:cNvPr id="1" name=""/>
+        <p:cNvGrpSpPr/>
+        <p:nvPr/>
+      </p:nvGrpSpPr>
+      <p:grpSpPr>
+        <a:xfrm>
+          <a:off x="0" y="0"/>
+          <a:ext cx="0" cy="0"/>
+          <a:chOff x="0" y="0"/>
+          <a:chExt cx="0" cy="0"/>
+        </a:xfrm>
+      </p:grpSpPr>
+      <p:sp>
+        <p:nvSpPr>
+          <p:cNvPr id="2" name="Título 1">
+            <a:extLst>
+              <a:ext uri="{FF2B5EF4-FFF2-40B4-BE49-F238E27FC236}">
+                <a16:creationId xmlns:a16="http://schemas.microsoft.com/office/drawing/2014/main" id="{B3E21699-3CC4-4950-88A1-8DF4D488995E}"/>
+              </a:ext>
+            </a:extLst>
+          </p:cNvPr>
+          <p:cNvSpPr>
+            <a:spLocks noGrp="1"/>
+          </p:cNvSpPr>
+          <p:nvPr>
+            <p:ph type="title"/>
+          </p:nvPr>
+        </p:nvSpPr>
+        <p:spPr/>
+        <p:txBody>
+          <a:bodyPr/>
+          <a:lstStyle/>
+          <a:p>
+            <a:r>
+              <a:rPr lang="pt-BR" dirty="0" err="1"/>
+              <a:t>QueryDSL</a:t>
+            </a:r>
+            <a:r>
+              <a:rPr lang="pt-BR" dirty="0"/>
+              <a:t> – Exemplos</a:t>
+            </a:r>
+          </a:p>
+        </p:txBody>
+      </p:sp>
+      <p:sp>
+        <p:nvSpPr>
+          <p:cNvPr id="5" name="Espaço Reservado para Texto 4">
+            <a:extLst>
+              <a:ext uri="{FF2B5EF4-FFF2-40B4-BE49-F238E27FC236}">
+                <a16:creationId xmlns:a16="http://schemas.microsoft.com/office/drawing/2014/main" id="{9F9D2CDD-44E8-4371-88B6-D7318826B0F1}"/>
+              </a:ext>
+            </a:extLst>
+          </p:cNvPr>
+          <p:cNvSpPr>
+            <a:spLocks noGrp="1"/>
+          </p:cNvSpPr>
+          <p:nvPr>
+            <p:ph sz="quarter" idx="12"/>
+          </p:nvPr>
+        </p:nvSpPr>
+        <p:spPr/>
+        <p:txBody>
+          <a:bodyPr>
+            <a:normAutofit/>
+          </a:bodyPr>
+          <a:lstStyle/>
+          <a:p>
+            <a:pPr marL="0" indent="0">
+              <a:buNone/>
+            </a:pPr>
+            <a:endParaRPr lang="pt-BR" dirty="0"/>
+          </a:p>
+          <a:p>
+            <a:endParaRPr lang="pt-BR" dirty="0"/>
+          </a:p>
+          <a:p>
+            <a:endParaRPr lang="pt-BR" dirty="0"/>
+          </a:p>
+          <a:p>
+            <a:endParaRPr lang="pt-BR" dirty="0"/>
+          </a:p>
+          <a:p>
+            <a:endParaRPr lang="pt-BR" dirty="0"/>
+          </a:p>
+        </p:txBody>
+      </p:sp>
+      <p:pic>
+        <p:nvPicPr>
+          <p:cNvPr id="4" name="Imagem 3">
+            <a:extLst>
+              <a:ext uri="{FF2B5EF4-FFF2-40B4-BE49-F238E27FC236}">
+                <a16:creationId xmlns:a16="http://schemas.microsoft.com/office/drawing/2014/main" id="{7CA0881F-B0A9-4B56-B631-DA879FA46E55}"/>
+              </a:ext>
+            </a:extLst>
+          </p:cNvPr>
+          <p:cNvPicPr>
+            <a:picLocks noChangeAspect="1"/>
+          </p:cNvPicPr>
+          <p:nvPr/>
+        </p:nvPicPr>
+        <p:blipFill>
+          <a:blip r:embed="rId2"/>
+          <a:stretch>
+            <a:fillRect/>
+          </a:stretch>
+        </p:blipFill>
+        <p:spPr>
+          <a:xfrm>
+            <a:off x="336666" y="2041776"/>
+            <a:ext cx="5033317" cy="3681701"/>
+          </a:xfrm>
+          <a:prstGeom prst="rect">
+            <a:avLst/>
+          </a:prstGeom>
+        </p:spPr>
+      </p:pic>
+      <p:pic>
+        <p:nvPicPr>
+          <p:cNvPr id="7" name="Imagem 6">
+            <a:extLst>
+              <a:ext uri="{FF2B5EF4-FFF2-40B4-BE49-F238E27FC236}">
+                <a16:creationId xmlns:a16="http://schemas.microsoft.com/office/drawing/2014/main" id="{A5954A06-080D-4CBC-8177-048415BAEC05}"/>
+              </a:ext>
+            </a:extLst>
+          </p:cNvPr>
+          <p:cNvPicPr>
+            <a:picLocks noChangeAspect="1"/>
+          </p:cNvPicPr>
+          <p:nvPr/>
+        </p:nvPicPr>
+        <p:blipFill>
+          <a:blip r:embed="rId3"/>
+          <a:stretch>
+            <a:fillRect/>
+          </a:stretch>
+        </p:blipFill>
+        <p:spPr>
+          <a:xfrm>
+            <a:off x="5856474" y="2435629"/>
+            <a:ext cx="6383151" cy="2508538"/>
+          </a:xfrm>
+          <a:prstGeom prst="rect">
+            <a:avLst/>
+          </a:prstGeom>
+        </p:spPr>
+      </p:pic>
+    </p:spTree>
+    <p:extLst>
+      <p:ext uri="{BB962C8B-B14F-4D97-AF65-F5344CB8AC3E}">
+        <p14:creationId xmlns:p14="http://schemas.microsoft.com/office/powerpoint/2010/main" val="362218874"/>
+      </p:ext>
+    </p:extLst>
+  </p:cSld>
+  <p:clrMapOvr>
+    <a:masterClrMapping/>
+  </p:clrMapOvr>
+</p:sld>
+</file>
+
+<file path=ppt/slides/slide61.xml><?xml version="1.0" encoding="utf-8"?>
+<p:sld xmlns:a="http://schemas.openxmlformats.org/drawingml/2006/main" xmlns:r="http://schemas.openxmlformats.org/officeDocument/2006/relationships" xmlns:p="http://schemas.openxmlformats.org/presentationml/2006/main">
+  <p:cSld>
+    <p:spTree>
+      <p:nvGrpSpPr>
+        <p:cNvPr id="1" name=""/>
+        <p:cNvGrpSpPr/>
+        <p:nvPr/>
+      </p:nvGrpSpPr>
+      <p:grpSpPr>
+        <a:xfrm>
+          <a:off x="0" y="0"/>
+          <a:ext cx="0" cy="0"/>
+          <a:chOff x="0" y="0"/>
+          <a:chExt cx="0" cy="0"/>
+        </a:xfrm>
+      </p:grpSpPr>
+      <p:sp>
+        <p:nvSpPr>
+          <p:cNvPr id="2" name="Título 1">
+            <a:extLst>
+              <a:ext uri="{FF2B5EF4-FFF2-40B4-BE49-F238E27FC236}">
+                <a16:creationId xmlns:a16="http://schemas.microsoft.com/office/drawing/2014/main" id="{B3E21699-3CC4-4950-88A1-8DF4D488995E}"/>
+              </a:ext>
+            </a:extLst>
+          </p:cNvPr>
+          <p:cNvSpPr>
+            <a:spLocks noGrp="1"/>
+          </p:cNvSpPr>
+          <p:nvPr>
+            <p:ph type="title"/>
+          </p:nvPr>
+        </p:nvSpPr>
+        <p:spPr/>
+        <p:txBody>
+          <a:bodyPr/>
+          <a:lstStyle/>
+          <a:p>
+            <a:r>
+              <a:rPr lang="pt-BR" dirty="0" err="1"/>
+              <a:t>QueryDSL</a:t>
+            </a:r>
+            <a:r>
+              <a:rPr lang="pt-BR" dirty="0"/>
+              <a:t> – Exemplos</a:t>
+            </a:r>
+          </a:p>
+        </p:txBody>
+      </p:sp>
+      <p:sp>
+        <p:nvSpPr>
+          <p:cNvPr id="5" name="Espaço Reservado para Texto 4">
+            <a:extLst>
+              <a:ext uri="{FF2B5EF4-FFF2-40B4-BE49-F238E27FC236}">
+                <a16:creationId xmlns:a16="http://schemas.microsoft.com/office/drawing/2014/main" id="{9F9D2CDD-44E8-4371-88B6-D7318826B0F1}"/>
+              </a:ext>
+            </a:extLst>
+          </p:cNvPr>
+          <p:cNvSpPr>
+            <a:spLocks noGrp="1"/>
+          </p:cNvSpPr>
+          <p:nvPr>
+            <p:ph sz="quarter" idx="12"/>
+          </p:nvPr>
+        </p:nvSpPr>
+        <p:spPr/>
+        <p:txBody>
+          <a:bodyPr>
+            <a:normAutofit/>
+          </a:bodyPr>
+          <a:lstStyle/>
+          <a:p>
+            <a:pPr marL="0" indent="0">
+              <a:buNone/>
+            </a:pPr>
+            <a:endParaRPr lang="pt-BR" dirty="0"/>
+          </a:p>
+          <a:p>
+            <a:endParaRPr lang="pt-BR" dirty="0"/>
+          </a:p>
+          <a:p>
+            <a:endParaRPr lang="pt-BR" dirty="0"/>
+          </a:p>
+          <a:p>
+            <a:endParaRPr lang="pt-BR" dirty="0"/>
+          </a:p>
+          <a:p>
+            <a:endParaRPr lang="pt-BR" dirty="0"/>
+          </a:p>
+        </p:txBody>
+      </p:sp>
+      <p:pic>
+        <p:nvPicPr>
+          <p:cNvPr id="6" name="Imagem 5">
+            <a:extLst>
+              <a:ext uri="{FF2B5EF4-FFF2-40B4-BE49-F238E27FC236}">
+                <a16:creationId xmlns:a16="http://schemas.microsoft.com/office/drawing/2014/main" id="{DBA2503A-AC92-4080-8D11-42ED0904E952}"/>
+              </a:ext>
+            </a:extLst>
+          </p:cNvPr>
+          <p:cNvPicPr>
+            <a:picLocks noChangeAspect="1"/>
+          </p:cNvPicPr>
+          <p:nvPr/>
+        </p:nvPicPr>
+        <p:blipFill>
+          <a:blip r:embed="rId2"/>
+          <a:stretch>
+            <a:fillRect/>
+          </a:stretch>
+        </p:blipFill>
+        <p:spPr>
+          <a:xfrm>
+            <a:off x="1028700" y="1826586"/>
+            <a:ext cx="5133975" cy="3981450"/>
+          </a:xfrm>
+          <a:prstGeom prst="rect">
+            <a:avLst/>
+          </a:prstGeom>
+        </p:spPr>
+      </p:pic>
+      <p:pic>
+        <p:nvPicPr>
+          <p:cNvPr id="9" name="Imagem 8">
+            <a:extLst>
+              <a:ext uri="{FF2B5EF4-FFF2-40B4-BE49-F238E27FC236}">
+                <a16:creationId xmlns:a16="http://schemas.microsoft.com/office/drawing/2014/main" id="{21ED1FF1-A459-424C-BEBC-F7BE4050F1A0}"/>
+              </a:ext>
+            </a:extLst>
+          </p:cNvPr>
+          <p:cNvPicPr>
+            <a:picLocks noChangeAspect="1"/>
+          </p:cNvPicPr>
+          <p:nvPr/>
+        </p:nvPicPr>
+        <p:blipFill>
+          <a:blip r:embed="rId3"/>
+          <a:stretch>
+            <a:fillRect/>
+          </a:stretch>
+        </p:blipFill>
+        <p:spPr>
+          <a:xfrm>
+            <a:off x="6235700" y="1708485"/>
+            <a:ext cx="5212513" cy="4217652"/>
+          </a:xfrm>
+          <a:prstGeom prst="rect">
+            <a:avLst/>
+          </a:prstGeom>
+        </p:spPr>
+      </p:pic>
+    </p:spTree>
+    <p:extLst>
+      <p:ext uri="{BB962C8B-B14F-4D97-AF65-F5344CB8AC3E}">
+        <p14:creationId xmlns:p14="http://schemas.microsoft.com/office/powerpoint/2010/main" val="3695239141"/>
+      </p:ext>
+    </p:extLst>
+  </p:cSld>
+  <p:clrMapOvr>
+    <a:masterClrMapping/>
+  </p:clrMapOvr>
+</p:sld>
+</file>
+
+<file path=ppt/slides/slide62.xml><?xml version="1.0" encoding="utf-8"?>
 <p:sld xmlns:a="http://schemas.openxmlformats.org/drawingml/2006/main" xmlns:r="http://schemas.openxmlformats.org/officeDocument/2006/relationships" xmlns:p="http://schemas.openxmlformats.org/presentationml/2006/main">
   <p:cSld>
     <p:spTree>
@@ -30856,7 +32542,7 @@
 </p:sld>
 </file>
 
-<file path=ppt/slides/slide53.xml><?xml version="1.0" encoding="utf-8"?>
+<file path=ppt/slides/slide63.xml><?xml version="1.0" encoding="utf-8"?>
 <p:sld xmlns:a="http://schemas.openxmlformats.org/drawingml/2006/main" xmlns:r="http://schemas.openxmlformats.org/officeDocument/2006/relationships" xmlns:p="http://schemas.openxmlformats.org/presentationml/2006/main">
   <p:cSld>
     <p:spTree>
@@ -31181,6 +32867,12 @@
             <a:endParaRPr lang="pt-BR" dirty="0"/>
           </a:p>
           <a:p>
+            <a:r>
+              <a:rPr lang="pt-BR" dirty="0"/>
+              <a:t>https://docs.jboss.org/hibernate/validator/4.1/reference/en-US/html/validator-usingvalidator.html#section-message-interpolation</a:t>
+            </a:r>
+          </a:p>
+          <a:p>
             <a:endParaRPr lang="pt-BR" dirty="0"/>
           </a:p>
           <a:p>
@@ -31240,7 +32932,7 @@
 </p:sld>
 </file>
 
-<file path=ppt/slides/slide54.xml><?xml version="1.0" encoding="utf-8"?>
+<file path=ppt/slides/slide64.xml><?xml version="1.0" encoding="utf-8"?>
 <p:sld xmlns:a="http://schemas.openxmlformats.org/drawingml/2006/main" xmlns:r="http://schemas.openxmlformats.org/officeDocument/2006/relationships" xmlns:p="http://schemas.openxmlformats.org/presentationml/2006/main">
   <p:cSld>
     <p:spTree>
@@ -31319,126 +33011,6 @@
     <p:extLst>
       <p:ext uri="{BB962C8B-B14F-4D97-AF65-F5344CB8AC3E}">
         <p14:creationId xmlns:p14="http://schemas.microsoft.com/office/powerpoint/2010/main" val="508843483"/>
-      </p:ext>
-    </p:extLst>
-  </p:cSld>
-  <p:clrMapOvr>
-    <a:masterClrMapping/>
-  </p:clrMapOvr>
-</p:sld>
-</file>
-
-<file path=ppt/slides/slide6.xml><?xml version="1.0" encoding="utf-8"?>
-<p:sld xmlns:a="http://schemas.openxmlformats.org/drawingml/2006/main" xmlns:r="http://schemas.openxmlformats.org/officeDocument/2006/relationships" xmlns:p="http://schemas.openxmlformats.org/presentationml/2006/main">
-  <p:cSld>
-    <p:spTree>
-      <p:nvGrpSpPr>
-        <p:cNvPr id="1" name=""/>
-        <p:cNvGrpSpPr/>
-        <p:nvPr/>
-      </p:nvGrpSpPr>
-      <p:grpSpPr>
-        <a:xfrm>
-          <a:off x="0" y="0"/>
-          <a:ext cx="0" cy="0"/>
-          <a:chOff x="0" y="0"/>
-          <a:chExt cx="0" cy="0"/>
-        </a:xfrm>
-      </p:grpSpPr>
-      <p:sp>
-        <p:nvSpPr>
-          <p:cNvPr id="2" name="Título 1">
-            <a:extLst>
-              <a:ext uri="{FF2B5EF4-FFF2-40B4-BE49-F238E27FC236}">
-                <a16:creationId xmlns:a16="http://schemas.microsoft.com/office/drawing/2014/main" id="{B3E21699-3CC4-4950-88A1-8DF4D488995E}"/>
-              </a:ext>
-            </a:extLst>
-          </p:cNvPr>
-          <p:cNvSpPr>
-            <a:spLocks noGrp="1"/>
-          </p:cNvSpPr>
-          <p:nvPr>
-            <p:ph type="title"/>
-          </p:nvPr>
-        </p:nvSpPr>
-        <p:spPr/>
-        <p:txBody>
-          <a:bodyPr/>
-          <a:lstStyle/>
-          <a:p>
-            <a:r>
-              <a:rPr lang="pt-BR" dirty="0"/>
-              <a:t>Hibernate</a:t>
-            </a:r>
-          </a:p>
-        </p:txBody>
-      </p:sp>
-      <p:sp>
-        <p:nvSpPr>
-          <p:cNvPr id="5" name="Espaço Reservado para Texto 4">
-            <a:extLst>
-              <a:ext uri="{FF2B5EF4-FFF2-40B4-BE49-F238E27FC236}">
-                <a16:creationId xmlns:a16="http://schemas.microsoft.com/office/drawing/2014/main" id="{9F9D2CDD-44E8-4371-88B6-D7318826B0F1}"/>
-              </a:ext>
-            </a:extLst>
-          </p:cNvPr>
-          <p:cNvSpPr>
-            <a:spLocks noGrp="1"/>
-          </p:cNvSpPr>
-          <p:nvPr>
-            <p:ph sz="quarter" idx="12"/>
-          </p:nvPr>
-        </p:nvSpPr>
-        <p:spPr/>
-        <p:txBody>
-          <a:bodyPr>
-            <a:normAutofit/>
-          </a:bodyPr>
-          <a:lstStyle/>
-          <a:p>
-            <a:pPr>
-              <a:lnSpc>
-                <a:spcPct val="150000"/>
-              </a:lnSpc>
-            </a:pPr>
-            <a:r>
-              <a:rPr lang="pt-BR" dirty="0"/>
-              <a:t>O Hibernate é um framework para o mapeamento objeto-relacional escrito na linguagem Java. Este framework facilita o mapeamento dos atributos entre uma base tradicional de dados relacionais e o modelo objeto de uma aplicação, mediante o uso de arquivos (XML) ou anotações Java.</a:t>
-            </a:r>
-          </a:p>
-          <a:p>
-            <a:pPr>
-              <a:lnSpc>
-                <a:spcPct val="150000"/>
-              </a:lnSpc>
-            </a:pPr>
-            <a:endParaRPr lang="pt-BR" dirty="0"/>
-          </a:p>
-          <a:p>
-            <a:pPr>
-              <a:lnSpc>
-                <a:spcPct val="150000"/>
-              </a:lnSpc>
-            </a:pPr>
-            <a:r>
-              <a:rPr lang="pt-BR" dirty="0"/>
-              <a:t>O objetivo do Hibernate é diminuir a complexidade entre os programas Java, baseado no modelo orientado a objeto, que precisam trabalhar com um banco de dados do modelo relacional (presente na maioria dos </a:t>
-            </a:r>
-            <a:r>
-              <a:rPr lang="pt-BR" dirty="0" err="1"/>
-              <a:t>SGBDs</a:t>
-            </a:r>
-            <a:r>
-              <a:rPr lang="pt-BR" dirty="0"/>
-              <a:t>). Em especial, no desenvolvimento de consultas e atualizações dos dados.</a:t>
-            </a:r>
-          </a:p>
-        </p:txBody>
-      </p:sp>
-    </p:spTree>
-    <p:extLst>
-      <p:ext uri="{BB962C8B-B14F-4D97-AF65-F5344CB8AC3E}">
-        <p14:creationId xmlns:p14="http://schemas.microsoft.com/office/powerpoint/2010/main" val="2460442963"/>
       </p:ext>
     </p:extLst>
   </p:cSld>
@@ -33170,15 +34742,6 @@
 </file>
 
 <file path=customXml/item1.xml><?xml version="1.0" encoding="utf-8"?>
-<?mso-contentType ?>
-<FormTemplates xmlns="http://schemas.microsoft.com/sharepoint/v3/contenttype/forms">
-  <Display>DocumentLibraryForm</Display>
-  <Edit>DocumentLibraryForm</Edit>
-  <New>DocumentLibraryForm</New>
-</FormTemplates>
-</file>
-
-<file path=customXml/item2.xml><?xml version="1.0" encoding="utf-8"?>
 <ct:contentTypeSchema xmlns:ct="http://schemas.microsoft.com/office/2006/metadata/contentType" xmlns:ma="http://schemas.microsoft.com/office/2006/metadata/properties/metaAttributes" ct:_="" ma:_="" ma:contentTypeName="Documento" ma:contentTypeID="0x010100266AEBDDF5D33A4AA14CF2B601EDEDB0" ma:contentTypeVersion="10" ma:contentTypeDescription="Crie um novo documento." ma:contentTypeScope="" ma:versionID="49a9b1b46fb44cf0cd9eeaf83f20ef21">
   <xsd:schema xmlns:xsd="http://www.w3.org/2001/XMLSchema" xmlns:xs="http://www.w3.org/2001/XMLSchema" xmlns:p="http://schemas.microsoft.com/office/2006/metadata/properties" xmlns:ns2="c695911c-c86e-42b9-9646-11ef85c770f6" xmlns:ns3="2e90b96c-1e9c-430b-ae8e-78958a20c7c5" targetNamespace="http://schemas.microsoft.com/office/2006/metadata/properties" ma:root="true" ma:fieldsID="c2a6d548be97a8876cc02d700dd6e42f" ns2:_="" ns3:_="">
     <xsd:import namespace="c695911c-c86e-42b9-9646-11ef85c770f6"/>
@@ -33381,6 +34944,15 @@
 </ct:contentTypeSchema>
 </file>
 
+<file path=customXml/item2.xml><?xml version="1.0" encoding="utf-8"?>
+<?mso-contentType ?>
+<FormTemplates xmlns="http://schemas.microsoft.com/sharepoint/v3/contenttype/forms">
+  <Display>DocumentLibraryForm</Display>
+  <Edit>DocumentLibraryForm</Edit>
+  <New>DocumentLibraryForm</New>
+</FormTemplates>
+</file>
+
 <file path=customXml/item3.xml><?xml version="1.0" encoding="utf-8"?>
 <p:properties xmlns:p="http://schemas.microsoft.com/office/2006/metadata/properties" xmlns:xsi="http://www.w3.org/2001/XMLSchema-instance" xmlns:pc="http://schemas.microsoft.com/office/infopath/2007/PartnerControls">
   <documentManagement/>
@@ -33388,14 +34960,6 @@
 </file>
 
 <file path=customXml/itemProps1.xml><?xml version="1.0" encoding="utf-8"?>
-<ds:datastoreItem xmlns:ds="http://schemas.openxmlformats.org/officeDocument/2006/customXml" ds:itemID="{695E87BF-E12A-4D56-BD08-46B7B4D49B6C}">
-  <ds:schemaRefs>
-    <ds:schemaRef ds:uri="http://schemas.microsoft.com/sharepoint/v3/contenttype/forms"/>
-  </ds:schemaRefs>
-</ds:datastoreItem>
-</file>
-
-<file path=customXml/itemProps2.xml><?xml version="1.0" encoding="utf-8"?>
 <ds:datastoreItem xmlns:ds="http://schemas.openxmlformats.org/officeDocument/2006/customXml" ds:itemID="{920C584F-0AF7-403C-8E2B-5F0ACCF3D887}">
   <ds:schemaRefs>
     <ds:schemaRef ds:uri="http://schemas.microsoft.com/office/2006/metadata/contentType"/>
@@ -33410,6 +34974,14 @@
     <ds:schemaRef ds:uri="http://purl.org/dc/elements/1.1/"/>
     <ds:schemaRef ds:uri="http://purl.org/dc/terms/"/>
     <ds:schemaRef ds:uri="http://schemas.microsoft.com/internal/obd"/>
+  </ds:schemaRefs>
+</ds:datastoreItem>
+</file>
+
+<file path=customXml/itemProps2.xml><?xml version="1.0" encoding="utf-8"?>
+<ds:datastoreItem xmlns:ds="http://schemas.openxmlformats.org/officeDocument/2006/customXml" ds:itemID="{695E87BF-E12A-4D56-BD08-46B7B4D49B6C}">
+  <ds:schemaRefs>
+    <ds:schemaRef ds:uri="http://schemas.microsoft.com/sharepoint/v3/contenttype/forms"/>
   </ds:schemaRefs>
 </ds:datastoreItem>
 </file>
